--- a/ゼミ0706.pptx
+++ b/ゼミ0706.pptx
@@ -7309,35 +7309,35 @@
             <p:ph sz="half" idx="2"/>
             <p:extLst>
               <p:ext uri="{D42A27DB-BD31-4B8C-83A1-F6EECF244321}">
-                <p14:modId xmlns:p14="http://schemas.microsoft.com/office/powerpoint/2010/main" val="3072118548"/>
+                <p14:modId xmlns:p14="http://schemas.microsoft.com/office/powerpoint/2010/main" val="779214742"/>
               </p:ext>
             </p:extLst>
           </p:nvPr>
         </p:nvGraphicFramePr>
         <p:xfrm>
-          <a:off x="1418096" y="2493535"/>
-          <a:ext cx="3780628" cy="3377063"/>
+          <a:off x="838200" y="2493535"/>
+          <a:ext cx="4360524" cy="3377063"/>
         </p:xfrm>
         <a:graphic>
           <a:graphicData uri="http://schemas.openxmlformats.org/drawingml/2006/table">
             <a:tbl>
               <a:tblPr/>
               <a:tblGrid>
-                <a:gridCol w="1101415">
+                <a:gridCol w="1270357">
                   <a:extLst>
                     <a:ext uri="{9D8B030D-6E8A-4147-A177-3AD203B41FA5}">
                       <a16:colId xmlns:a16="http://schemas.microsoft.com/office/drawing/2014/main" val="3302912595"/>
                     </a:ext>
                   </a:extLst>
                 </a:gridCol>
-                <a:gridCol w="816834">
+                <a:gridCol w="942125">
                   <a:extLst>
                     <a:ext uri="{9D8B030D-6E8A-4147-A177-3AD203B41FA5}">
                       <a16:colId xmlns:a16="http://schemas.microsoft.com/office/drawing/2014/main" val="2349036352"/>
                     </a:ext>
                   </a:extLst>
                 </a:gridCol>
-                <a:gridCol w="1862379">
+                <a:gridCol w="2148042">
                   <a:extLst>
                     <a:ext uri="{9D8B030D-6E8A-4147-A177-3AD203B41FA5}">
                       <a16:colId xmlns:a16="http://schemas.microsoft.com/office/drawing/2014/main" val="2576708260"/>
@@ -8871,6 +8871,1649 @@
           </a:graphicData>
         </a:graphic>
       </p:graphicFrame>
+      <p:graphicFrame>
+        <p:nvGraphicFramePr>
+          <p:cNvPr id="6" name="表 5">
+            <a:extLst>
+              <a:ext uri="{FF2B5EF4-FFF2-40B4-BE49-F238E27FC236}">
+                <a16:creationId xmlns:a16="http://schemas.microsoft.com/office/drawing/2014/main" id="{E18939F2-020D-7D45-9207-970E6C78AC0F}"/>
+              </a:ext>
+            </a:extLst>
+          </p:cNvPr>
+          <p:cNvGraphicFramePr>
+            <a:graphicFrameLocks noGrp="1"/>
+          </p:cNvGraphicFramePr>
+          <p:nvPr>
+            <p:extLst>
+              <p:ext uri="{D42A27DB-BD31-4B8C-83A1-F6EECF244321}">
+                <p14:modId xmlns:p14="http://schemas.microsoft.com/office/powerpoint/2010/main" val="3886153866"/>
+              </p:ext>
+            </p:extLst>
+          </p:nvPr>
+        </p:nvGraphicFramePr>
+        <p:xfrm>
+          <a:off x="6721010" y="2483261"/>
+          <a:ext cx="4632790" cy="3509436"/>
+        </p:xfrm>
+        <a:graphic>
+          <a:graphicData uri="http://schemas.openxmlformats.org/drawingml/2006/table">
+            <a:tbl>
+              <a:tblPr/>
+              <a:tblGrid>
+                <a:gridCol w="1349677">
+                  <a:extLst>
+                    <a:ext uri="{9D8B030D-6E8A-4147-A177-3AD203B41FA5}">
+                      <a16:colId xmlns:a16="http://schemas.microsoft.com/office/drawing/2014/main" val="1731037092"/>
+                    </a:ext>
+                  </a:extLst>
+                </a:gridCol>
+                <a:gridCol w="1000950">
+                  <a:extLst>
+                    <a:ext uri="{9D8B030D-6E8A-4147-A177-3AD203B41FA5}">
+                      <a16:colId xmlns:a16="http://schemas.microsoft.com/office/drawing/2014/main" val="2384132842"/>
+                    </a:ext>
+                  </a:extLst>
+                </a:gridCol>
+                <a:gridCol w="2282163">
+                  <a:extLst>
+                    <a:ext uri="{9D8B030D-6E8A-4147-A177-3AD203B41FA5}">
+                      <a16:colId xmlns:a16="http://schemas.microsoft.com/office/drawing/2014/main" val="2735048153"/>
+                    </a:ext>
+                  </a:extLst>
+                </a:gridCol>
+              </a:tblGrid>
+              <a:tr h="373130">
+                <a:tc>
+                  <a:txBody>
+                    <a:bodyPr/>
+                    <a:lstStyle/>
+                    <a:p>
+                      <a:br>
+                        <a:rPr lang="ja-JP" altLang="en-US" sz="1100">
+                          <a:effectLst/>
+                          <a:latin typeface="Helvetica" pitchFamily="2" charset="0"/>
+                        </a:rPr>
+                      </a:br>
+                      <a:endParaRPr lang="ja-JP" altLang="en-US" sz="1100">
+                        <a:effectLst/>
+                        <a:latin typeface="Helvetica" pitchFamily="2" charset="0"/>
+                      </a:endParaRPr>
+                    </a:p>
+                  </a:txBody>
+                  <a:tcPr marL="23047" marR="23047" marT="23047" marB="23047">
+                    <a:lnL w="9525" cap="flat" cmpd="sng" algn="ctr">
+                      <a:solidFill>
+                        <a:srgbClr val="000000"/>
+                      </a:solidFill>
+                      <a:prstDash val="solid"/>
+                      <a:round/>
+                      <a:headEnd type="none" w="med" len="med"/>
+                      <a:tailEnd type="none" w="med" len="med"/>
+                    </a:lnL>
+                    <a:lnR w="9525" cap="flat" cmpd="sng" algn="ctr">
+                      <a:solidFill>
+                        <a:srgbClr val="000000"/>
+                      </a:solidFill>
+                      <a:prstDash val="solid"/>
+                      <a:round/>
+                      <a:headEnd type="none" w="med" len="med"/>
+                      <a:tailEnd type="none" w="med" len="med"/>
+                    </a:lnR>
+                    <a:lnT w="9525" cap="flat" cmpd="sng" algn="ctr">
+                      <a:solidFill>
+                        <a:srgbClr val="000000"/>
+                      </a:solidFill>
+                      <a:prstDash val="solid"/>
+                      <a:round/>
+                      <a:headEnd type="none" w="med" len="med"/>
+                      <a:tailEnd type="none" w="med" len="med"/>
+                    </a:lnT>
+                    <a:lnB w="9525" cap="flat" cmpd="sng" algn="ctr">
+                      <a:solidFill>
+                        <a:srgbClr val="000000"/>
+                      </a:solidFill>
+                      <a:prstDash val="solid"/>
+                      <a:round/>
+                      <a:headEnd type="none" w="med" len="med"/>
+                      <a:tailEnd type="none" w="med" len="med"/>
+                    </a:lnB>
+                    <a:solidFill>
+                      <a:srgbClr val="B0B3B2"/>
+                    </a:solidFill>
+                  </a:tcPr>
+                </a:tc>
+                <a:tc>
+                  <a:txBody>
+                    <a:bodyPr/>
+                    <a:lstStyle/>
+                    <a:p>
+                      <a:r>
+                        <a:rPr lang="en" sz="1100" b="1">
+                          <a:solidFill>
+                            <a:srgbClr val="000000"/>
+                          </a:solidFill>
+                          <a:effectLst/>
+                          <a:latin typeface="Hiragino Kaku Gothic ProN" panose="020B0300000000000000" pitchFamily="34" charset="-128"/>
+                          <a:ea typeface="Hiragino Kaku Gothic ProN" panose="020B0300000000000000" pitchFamily="34" charset="-128"/>
+                        </a:rPr>
+                        <a:t>V1</a:t>
+                      </a:r>
+                      <a:endParaRPr lang="en" sz="1100">
+                        <a:effectLst/>
+                      </a:endParaRPr>
+                    </a:p>
+                  </a:txBody>
+                  <a:tcPr marL="23047" marR="23047" marT="23047" marB="23047">
+                    <a:lnL w="9525" cap="flat" cmpd="sng" algn="ctr">
+                      <a:solidFill>
+                        <a:srgbClr val="000000"/>
+                      </a:solidFill>
+                      <a:prstDash val="solid"/>
+                      <a:round/>
+                      <a:headEnd type="none" w="med" len="med"/>
+                      <a:tailEnd type="none" w="med" len="med"/>
+                    </a:lnL>
+                    <a:lnR w="9525" cap="flat" cmpd="sng" algn="ctr">
+                      <a:solidFill>
+                        <a:srgbClr val="000000"/>
+                      </a:solidFill>
+                      <a:prstDash val="solid"/>
+                      <a:round/>
+                      <a:headEnd type="none" w="med" len="med"/>
+                      <a:tailEnd type="none" w="med" len="med"/>
+                    </a:lnR>
+                    <a:lnT w="9525" cap="flat" cmpd="sng" algn="ctr">
+                      <a:solidFill>
+                        <a:srgbClr val="000000"/>
+                      </a:solidFill>
+                      <a:prstDash val="solid"/>
+                      <a:round/>
+                      <a:headEnd type="none" w="med" len="med"/>
+                      <a:tailEnd type="none" w="med" len="med"/>
+                    </a:lnT>
+                    <a:lnB w="9525" cap="flat" cmpd="sng" algn="ctr">
+                      <a:solidFill>
+                        <a:srgbClr val="000000"/>
+                      </a:solidFill>
+                      <a:prstDash val="solid"/>
+                      <a:round/>
+                      <a:headEnd type="none" w="med" len="med"/>
+                      <a:tailEnd type="none" w="med" len="med"/>
+                    </a:lnB>
+                    <a:solidFill>
+                      <a:srgbClr val="B0B3B2"/>
+                    </a:solidFill>
+                  </a:tcPr>
+                </a:tc>
+                <a:tc>
+                  <a:txBody>
+                    <a:bodyPr/>
+                    <a:lstStyle/>
+                    <a:p>
+                      <a:r>
+                        <a:rPr lang="en" sz="1100" b="1">
+                          <a:solidFill>
+                            <a:srgbClr val="000000"/>
+                          </a:solidFill>
+                          <a:effectLst/>
+                          <a:latin typeface="Hiragino Kaku Gothic ProN" panose="020B0300000000000000" pitchFamily="34" charset="-128"/>
+                          <a:ea typeface="Hiragino Kaku Gothic ProN" panose="020B0300000000000000" pitchFamily="34" charset="-128"/>
+                        </a:rPr>
+                        <a:t>V2</a:t>
+                      </a:r>
+                      <a:endParaRPr lang="en" sz="1100">
+                        <a:effectLst/>
+                      </a:endParaRPr>
+                    </a:p>
+                  </a:txBody>
+                  <a:tcPr marL="23047" marR="23047" marT="23047" marB="23047">
+                    <a:lnL w="9525" cap="flat" cmpd="sng" algn="ctr">
+                      <a:solidFill>
+                        <a:srgbClr val="000000"/>
+                      </a:solidFill>
+                      <a:prstDash val="solid"/>
+                      <a:round/>
+                      <a:headEnd type="none" w="med" len="med"/>
+                      <a:tailEnd type="none" w="med" len="med"/>
+                    </a:lnL>
+                    <a:lnR w="9525" cap="flat" cmpd="sng" algn="ctr">
+                      <a:solidFill>
+                        <a:srgbClr val="000000"/>
+                      </a:solidFill>
+                      <a:prstDash val="solid"/>
+                      <a:round/>
+                      <a:headEnd type="none" w="med" len="med"/>
+                      <a:tailEnd type="none" w="med" len="med"/>
+                    </a:lnR>
+                    <a:lnT w="9525" cap="flat" cmpd="sng" algn="ctr">
+                      <a:solidFill>
+                        <a:srgbClr val="000000"/>
+                      </a:solidFill>
+                      <a:prstDash val="solid"/>
+                      <a:round/>
+                      <a:headEnd type="none" w="med" len="med"/>
+                      <a:tailEnd type="none" w="med" len="med"/>
+                    </a:lnT>
+                    <a:lnB w="9525" cap="flat" cmpd="sng" algn="ctr">
+                      <a:solidFill>
+                        <a:srgbClr val="000000"/>
+                      </a:solidFill>
+                      <a:prstDash val="solid"/>
+                      <a:round/>
+                      <a:headEnd type="none" w="med" len="med"/>
+                      <a:tailEnd type="none" w="med" len="med"/>
+                    </a:lnB>
+                    <a:solidFill>
+                      <a:srgbClr val="B0B3B2"/>
+                    </a:solidFill>
+                  </a:tcPr>
+                </a:tc>
+                <a:extLst>
+                  <a:ext uri="{0D108BD9-81ED-4DB2-BD59-A6C34878D82A}">
+                    <a16:rowId xmlns:a16="http://schemas.microsoft.com/office/drawing/2014/main" val="3866822063"/>
+                  </a:ext>
+                </a:extLst>
+              </a:tr>
+              <a:tr h="428188">
+                <a:tc>
+                  <a:txBody>
+                    <a:bodyPr/>
+                    <a:lstStyle/>
+                    <a:p>
+                      <a:r>
+                        <a:rPr lang="en-US" altLang="ja-JP" sz="1100" b="1">
+                          <a:solidFill>
+                            <a:srgbClr val="000000"/>
+                          </a:solidFill>
+                          <a:effectLst/>
+                          <a:latin typeface="Hiragino Kaku Gothic ProN" panose="020B0300000000000000" pitchFamily="34" charset="-128"/>
+                          <a:ea typeface="Hiragino Kaku Gothic ProN" panose="020B0300000000000000" pitchFamily="34" charset="-128"/>
+                        </a:rPr>
+                        <a:t>1</a:t>
+                      </a:r>
+                      <a:endParaRPr lang="ja-JP" altLang="en-US" sz="1100">
+                        <a:effectLst/>
+                      </a:endParaRPr>
+                    </a:p>
+                  </a:txBody>
+                  <a:tcPr marL="23047" marR="23047" marT="23047" marB="23047">
+                    <a:lnL w="9525" cap="flat" cmpd="sng" algn="ctr">
+                      <a:solidFill>
+                        <a:srgbClr val="000000"/>
+                      </a:solidFill>
+                      <a:prstDash val="solid"/>
+                      <a:round/>
+                      <a:headEnd type="none" w="med" len="med"/>
+                      <a:tailEnd type="none" w="med" len="med"/>
+                    </a:lnL>
+                    <a:lnR w="9525" cap="flat" cmpd="sng" algn="ctr">
+                      <a:solidFill>
+                        <a:srgbClr val="000000"/>
+                      </a:solidFill>
+                      <a:prstDash val="solid"/>
+                      <a:round/>
+                      <a:headEnd type="none" w="med" len="med"/>
+                      <a:tailEnd type="none" w="med" len="med"/>
+                    </a:lnR>
+                    <a:lnT w="9525" cap="flat" cmpd="sng" algn="ctr">
+                      <a:solidFill>
+                        <a:srgbClr val="000000"/>
+                      </a:solidFill>
+                      <a:prstDash val="solid"/>
+                      <a:round/>
+                      <a:headEnd type="none" w="med" len="med"/>
+                      <a:tailEnd type="none" w="med" len="med"/>
+                    </a:lnT>
+                    <a:lnB w="9525" cap="flat" cmpd="sng" algn="ctr">
+                      <a:solidFill>
+                        <a:srgbClr val="000000"/>
+                      </a:solidFill>
+                      <a:prstDash val="solid"/>
+                      <a:round/>
+                      <a:headEnd type="none" w="med" len="med"/>
+                      <a:tailEnd type="none" w="med" len="med"/>
+                    </a:lnB>
+                    <a:solidFill>
+                      <a:srgbClr val="D4D4D4"/>
+                    </a:solidFill>
+                  </a:tcPr>
+                </a:tc>
+                <a:tc>
+                  <a:txBody>
+                    <a:bodyPr/>
+                    <a:lstStyle/>
+                    <a:p>
+                      <a:r>
+                        <a:rPr lang="en" sz="1100">
+                          <a:solidFill>
+                            <a:srgbClr val="000000"/>
+                          </a:solidFill>
+                          <a:effectLst/>
+                          <a:latin typeface="Hiragino Kaku Gothic ProN" panose="020B0300000000000000" pitchFamily="34" charset="-128"/>
+                          <a:ea typeface="Hiragino Kaku Gothic ProN" panose="020B0300000000000000" pitchFamily="34" charset="-128"/>
+                        </a:rPr>
+                        <a:t>WAIC</a:t>
+                      </a:r>
+                      <a:endParaRPr lang="en" sz="1100">
+                        <a:effectLst/>
+                      </a:endParaRPr>
+                    </a:p>
+                  </a:txBody>
+                  <a:tcPr marL="23047" marR="23047" marT="23047" marB="23047">
+                    <a:lnL w="9525" cap="flat" cmpd="sng" algn="ctr">
+                      <a:solidFill>
+                        <a:srgbClr val="000000"/>
+                      </a:solidFill>
+                      <a:prstDash val="solid"/>
+                      <a:round/>
+                      <a:headEnd type="none" w="med" len="med"/>
+                      <a:tailEnd type="none" w="med" len="med"/>
+                    </a:lnL>
+                    <a:lnR w="9525" cap="flat" cmpd="sng" algn="ctr">
+                      <a:solidFill>
+                        <a:srgbClr val="000000"/>
+                      </a:solidFill>
+                      <a:prstDash val="solid"/>
+                      <a:round/>
+                      <a:headEnd type="none" w="med" len="med"/>
+                      <a:tailEnd type="none" w="med" len="med"/>
+                    </a:lnR>
+                    <a:lnT w="9525" cap="flat" cmpd="sng" algn="ctr">
+                      <a:solidFill>
+                        <a:srgbClr val="000000"/>
+                      </a:solidFill>
+                      <a:prstDash val="solid"/>
+                      <a:round/>
+                      <a:headEnd type="none" w="med" len="med"/>
+                      <a:tailEnd type="none" w="med" len="med"/>
+                    </a:lnT>
+                    <a:lnB w="9525" cap="flat" cmpd="sng" algn="ctr">
+                      <a:solidFill>
+                        <a:srgbClr val="000000"/>
+                      </a:solidFill>
+                      <a:prstDash val="solid"/>
+                      <a:round/>
+                      <a:headEnd type="none" w="med" len="med"/>
+                      <a:tailEnd type="none" w="med" len="med"/>
+                    </a:lnB>
+                  </a:tcPr>
+                </a:tc>
+                <a:tc>
+                  <a:txBody>
+                    <a:bodyPr/>
+                    <a:lstStyle/>
+                    <a:p>
+                      <a:r>
+                        <a:rPr lang="en-US" altLang="ja-JP" sz="1100">
+                          <a:solidFill>
+                            <a:srgbClr val="000000"/>
+                          </a:solidFill>
+                          <a:effectLst/>
+                          <a:latin typeface="Hiragino Kaku Gothic ProN" panose="020B0300000000000000" pitchFamily="34" charset="-128"/>
+                          <a:ea typeface="Hiragino Kaku Gothic ProN" panose="020B0300000000000000" pitchFamily="34" charset="-128"/>
+                        </a:rPr>
+                        <a:t>3005.4624228115</a:t>
+                      </a:r>
+                      <a:endParaRPr lang="ja-JP" altLang="en-US" sz="1100">
+                        <a:effectLst/>
+                      </a:endParaRPr>
+                    </a:p>
+                  </a:txBody>
+                  <a:tcPr marL="23047" marR="23047" marT="23047" marB="23047">
+                    <a:lnL w="9525" cap="flat" cmpd="sng" algn="ctr">
+                      <a:solidFill>
+                        <a:srgbClr val="000000"/>
+                      </a:solidFill>
+                      <a:prstDash val="solid"/>
+                      <a:round/>
+                      <a:headEnd type="none" w="med" len="med"/>
+                      <a:tailEnd type="none" w="med" len="med"/>
+                    </a:lnL>
+                    <a:lnR w="9525" cap="flat" cmpd="sng" algn="ctr">
+                      <a:solidFill>
+                        <a:srgbClr val="000000"/>
+                      </a:solidFill>
+                      <a:prstDash val="solid"/>
+                      <a:round/>
+                      <a:headEnd type="none" w="med" len="med"/>
+                      <a:tailEnd type="none" w="med" len="med"/>
+                    </a:lnR>
+                    <a:lnT w="9525" cap="flat" cmpd="sng" algn="ctr">
+                      <a:solidFill>
+                        <a:srgbClr val="000000"/>
+                      </a:solidFill>
+                      <a:prstDash val="solid"/>
+                      <a:round/>
+                      <a:headEnd type="none" w="med" len="med"/>
+                      <a:tailEnd type="none" w="med" len="med"/>
+                    </a:lnT>
+                    <a:lnB w="9525" cap="flat" cmpd="sng" algn="ctr">
+                      <a:solidFill>
+                        <a:srgbClr val="000000"/>
+                      </a:solidFill>
+                      <a:prstDash val="solid"/>
+                      <a:round/>
+                      <a:headEnd type="none" w="med" len="med"/>
+                      <a:tailEnd type="none" w="med" len="med"/>
+                    </a:lnB>
+                  </a:tcPr>
+                </a:tc>
+                <a:extLst>
+                  <a:ext uri="{0D108BD9-81ED-4DB2-BD59-A6C34878D82A}">
+                    <a16:rowId xmlns:a16="http://schemas.microsoft.com/office/drawing/2014/main" val="1360320419"/>
+                  </a:ext>
+                </a:extLst>
+              </a:tr>
+              <a:tr h="428188">
+                <a:tc>
+                  <a:txBody>
+                    <a:bodyPr/>
+                    <a:lstStyle/>
+                    <a:p>
+                      <a:r>
+                        <a:rPr lang="en-US" altLang="ja-JP" sz="1100" b="1">
+                          <a:solidFill>
+                            <a:srgbClr val="000000"/>
+                          </a:solidFill>
+                          <a:effectLst/>
+                          <a:latin typeface="Hiragino Kaku Gothic ProN" panose="020B0300000000000000" pitchFamily="34" charset="-128"/>
+                          <a:ea typeface="Hiragino Kaku Gothic ProN" panose="020B0300000000000000" pitchFamily="34" charset="-128"/>
+                        </a:rPr>
+                        <a:t>2</a:t>
+                      </a:r>
+                      <a:endParaRPr lang="ja-JP" altLang="en-US" sz="1100">
+                        <a:effectLst/>
+                      </a:endParaRPr>
+                    </a:p>
+                  </a:txBody>
+                  <a:tcPr marL="23047" marR="23047" marT="23047" marB="23047">
+                    <a:lnL w="9525" cap="flat" cmpd="sng" algn="ctr">
+                      <a:solidFill>
+                        <a:srgbClr val="000000"/>
+                      </a:solidFill>
+                      <a:prstDash val="solid"/>
+                      <a:round/>
+                      <a:headEnd type="none" w="med" len="med"/>
+                      <a:tailEnd type="none" w="med" len="med"/>
+                    </a:lnL>
+                    <a:lnR w="9525" cap="flat" cmpd="sng" algn="ctr">
+                      <a:solidFill>
+                        <a:srgbClr val="000000"/>
+                      </a:solidFill>
+                      <a:prstDash val="solid"/>
+                      <a:round/>
+                      <a:headEnd type="none" w="med" len="med"/>
+                      <a:tailEnd type="none" w="med" len="med"/>
+                    </a:lnR>
+                    <a:lnT w="9525" cap="flat" cmpd="sng" algn="ctr">
+                      <a:solidFill>
+                        <a:srgbClr val="000000"/>
+                      </a:solidFill>
+                      <a:prstDash val="solid"/>
+                      <a:round/>
+                      <a:headEnd type="none" w="med" len="med"/>
+                      <a:tailEnd type="none" w="med" len="med"/>
+                    </a:lnT>
+                    <a:lnB w="9525" cap="flat" cmpd="sng" algn="ctr">
+                      <a:solidFill>
+                        <a:srgbClr val="000000"/>
+                      </a:solidFill>
+                      <a:prstDash val="solid"/>
+                      <a:round/>
+                      <a:headEnd type="none" w="med" len="med"/>
+                      <a:tailEnd type="none" w="med" len="med"/>
+                    </a:lnB>
+                    <a:solidFill>
+                      <a:srgbClr val="D4D4D4"/>
+                    </a:solidFill>
+                  </a:tcPr>
+                </a:tc>
+                <a:tc>
+                  <a:txBody>
+                    <a:bodyPr/>
+                    <a:lstStyle/>
+                    <a:p>
+                      <a:r>
+                        <a:rPr lang="en" sz="1100">
+                          <a:solidFill>
+                            <a:srgbClr val="000000"/>
+                          </a:solidFill>
+                          <a:effectLst/>
+                          <a:latin typeface="Hiragino Kaku Gothic ProN" panose="020B0300000000000000" pitchFamily="34" charset="-128"/>
+                          <a:ea typeface="Hiragino Kaku Gothic ProN" panose="020B0300000000000000" pitchFamily="34" charset="-128"/>
+                        </a:rPr>
+                        <a:t>ML</a:t>
+                      </a:r>
+                      <a:endParaRPr lang="en" sz="1100">
+                        <a:effectLst/>
+                      </a:endParaRPr>
+                    </a:p>
+                  </a:txBody>
+                  <a:tcPr marL="23047" marR="23047" marT="23047" marB="23047">
+                    <a:lnL w="9525" cap="flat" cmpd="sng" algn="ctr">
+                      <a:solidFill>
+                        <a:srgbClr val="000000"/>
+                      </a:solidFill>
+                      <a:prstDash val="solid"/>
+                      <a:round/>
+                      <a:headEnd type="none" w="med" len="med"/>
+                      <a:tailEnd type="none" w="med" len="med"/>
+                    </a:lnL>
+                    <a:lnR w="9525" cap="flat" cmpd="sng" algn="ctr">
+                      <a:solidFill>
+                        <a:srgbClr val="000000"/>
+                      </a:solidFill>
+                      <a:prstDash val="solid"/>
+                      <a:round/>
+                      <a:headEnd type="none" w="med" len="med"/>
+                      <a:tailEnd type="none" w="med" len="med"/>
+                    </a:lnR>
+                    <a:lnT w="9525" cap="flat" cmpd="sng" algn="ctr">
+                      <a:solidFill>
+                        <a:srgbClr val="000000"/>
+                      </a:solidFill>
+                      <a:prstDash val="solid"/>
+                      <a:round/>
+                      <a:headEnd type="none" w="med" len="med"/>
+                      <a:tailEnd type="none" w="med" len="med"/>
+                    </a:lnT>
+                    <a:lnB w="9525" cap="flat" cmpd="sng" algn="ctr">
+                      <a:solidFill>
+                        <a:srgbClr val="000000"/>
+                      </a:solidFill>
+                      <a:prstDash val="solid"/>
+                      <a:round/>
+                      <a:headEnd type="none" w="med" len="med"/>
+                      <a:tailEnd type="none" w="med" len="med"/>
+                    </a:lnB>
+                  </a:tcPr>
+                </a:tc>
+                <a:tc>
+                  <a:txBody>
+                    <a:bodyPr/>
+                    <a:lstStyle/>
+                    <a:p>
+                      <a:r>
+                        <a:rPr lang="en-US" altLang="ja-JP" sz="1100">
+                          <a:solidFill>
+                            <a:srgbClr val="000000"/>
+                          </a:solidFill>
+                          <a:effectLst/>
+                          <a:latin typeface="Hiragino Kaku Gothic ProN" panose="020B0300000000000000" pitchFamily="34" charset="-128"/>
+                          <a:ea typeface="Hiragino Kaku Gothic ProN" panose="020B0300000000000000" pitchFamily="34" charset="-128"/>
+                        </a:rPr>
+                        <a:t>2865.75770698857</a:t>
+                      </a:r>
+                      <a:endParaRPr lang="ja-JP" altLang="en-US" sz="1100">
+                        <a:effectLst/>
+                      </a:endParaRPr>
+                    </a:p>
+                  </a:txBody>
+                  <a:tcPr marL="23047" marR="23047" marT="23047" marB="23047">
+                    <a:lnL w="9525" cap="flat" cmpd="sng" algn="ctr">
+                      <a:solidFill>
+                        <a:srgbClr val="000000"/>
+                      </a:solidFill>
+                      <a:prstDash val="solid"/>
+                      <a:round/>
+                      <a:headEnd type="none" w="med" len="med"/>
+                      <a:tailEnd type="none" w="med" len="med"/>
+                    </a:lnL>
+                    <a:lnR w="9525" cap="flat" cmpd="sng" algn="ctr">
+                      <a:solidFill>
+                        <a:srgbClr val="000000"/>
+                      </a:solidFill>
+                      <a:prstDash val="solid"/>
+                      <a:round/>
+                      <a:headEnd type="none" w="med" len="med"/>
+                      <a:tailEnd type="none" w="med" len="med"/>
+                    </a:lnR>
+                    <a:lnT w="9525" cap="flat" cmpd="sng" algn="ctr">
+                      <a:solidFill>
+                        <a:srgbClr val="000000"/>
+                      </a:solidFill>
+                      <a:prstDash val="solid"/>
+                      <a:round/>
+                      <a:headEnd type="none" w="med" len="med"/>
+                      <a:tailEnd type="none" w="med" len="med"/>
+                    </a:lnT>
+                    <a:lnB w="9525" cap="flat" cmpd="sng" algn="ctr">
+                      <a:solidFill>
+                        <a:srgbClr val="000000"/>
+                      </a:solidFill>
+                      <a:prstDash val="solid"/>
+                      <a:round/>
+                      <a:headEnd type="none" w="med" len="med"/>
+                      <a:tailEnd type="none" w="med" len="med"/>
+                    </a:lnB>
+                  </a:tcPr>
+                </a:tc>
+                <a:extLst>
+                  <a:ext uri="{0D108BD9-81ED-4DB2-BD59-A6C34878D82A}">
+                    <a16:rowId xmlns:a16="http://schemas.microsoft.com/office/drawing/2014/main" val="786986627"/>
+                  </a:ext>
+                </a:extLst>
+              </a:tr>
+              <a:tr h="297442">
+                <a:tc>
+                  <a:txBody>
+                    <a:bodyPr/>
+                    <a:lstStyle/>
+                    <a:p>
+                      <a:r>
+                        <a:rPr lang="en-US" altLang="ja-JP" sz="1100" b="1">
+                          <a:solidFill>
+                            <a:srgbClr val="000000"/>
+                          </a:solidFill>
+                          <a:effectLst/>
+                          <a:latin typeface="Hiragino Kaku Gothic ProN" panose="020B0300000000000000" pitchFamily="34" charset="-128"/>
+                          <a:ea typeface="Hiragino Kaku Gothic ProN" panose="020B0300000000000000" pitchFamily="34" charset="-128"/>
+                        </a:rPr>
+                        <a:t>3</a:t>
+                      </a:r>
+                      <a:endParaRPr lang="ja-JP" altLang="en-US" sz="1100">
+                        <a:effectLst/>
+                      </a:endParaRPr>
+                    </a:p>
+                  </a:txBody>
+                  <a:tcPr marL="23047" marR="23047" marT="23047" marB="23047">
+                    <a:lnL w="9525" cap="flat" cmpd="sng" algn="ctr">
+                      <a:solidFill>
+                        <a:srgbClr val="000000"/>
+                      </a:solidFill>
+                      <a:prstDash val="solid"/>
+                      <a:round/>
+                      <a:headEnd type="none" w="med" len="med"/>
+                      <a:tailEnd type="none" w="med" len="med"/>
+                    </a:lnL>
+                    <a:lnR w="9525" cap="flat" cmpd="sng" algn="ctr">
+                      <a:solidFill>
+                        <a:srgbClr val="000000"/>
+                      </a:solidFill>
+                      <a:prstDash val="solid"/>
+                      <a:round/>
+                      <a:headEnd type="none" w="med" len="med"/>
+                      <a:tailEnd type="none" w="med" len="med"/>
+                    </a:lnR>
+                    <a:lnT w="9525" cap="flat" cmpd="sng" algn="ctr">
+                      <a:solidFill>
+                        <a:srgbClr val="000000"/>
+                      </a:solidFill>
+                      <a:prstDash val="solid"/>
+                      <a:round/>
+                      <a:headEnd type="none" w="med" len="med"/>
+                      <a:tailEnd type="none" w="med" len="med"/>
+                    </a:lnT>
+                    <a:lnB w="9525" cap="flat" cmpd="sng" algn="ctr">
+                      <a:solidFill>
+                        <a:srgbClr val="000000"/>
+                      </a:solidFill>
+                      <a:prstDash val="solid"/>
+                      <a:round/>
+                      <a:headEnd type="none" w="med" len="med"/>
+                      <a:tailEnd type="none" w="med" len="med"/>
+                    </a:lnB>
+                    <a:solidFill>
+                      <a:srgbClr val="D4D4D4"/>
+                    </a:solidFill>
+                  </a:tcPr>
+                </a:tc>
+                <a:tc>
+                  <a:txBody>
+                    <a:bodyPr/>
+                    <a:lstStyle/>
+                    <a:p>
+                      <a:r>
+                        <a:rPr lang="en" sz="1100">
+                          <a:solidFill>
+                            <a:srgbClr val="000000"/>
+                          </a:solidFill>
+                          <a:effectLst/>
+                          <a:latin typeface="Hiragino Kaku Gothic ProN" panose="020B0300000000000000" pitchFamily="34" charset="-128"/>
+                          <a:ea typeface="Hiragino Kaku Gothic ProN" panose="020B0300000000000000" pitchFamily="34" charset="-128"/>
+                        </a:rPr>
+                        <a:t>AIC</a:t>
+                      </a:r>
+                      <a:endParaRPr lang="en" sz="1100">
+                        <a:effectLst/>
+                      </a:endParaRPr>
+                    </a:p>
+                  </a:txBody>
+                  <a:tcPr marL="23047" marR="23047" marT="23047" marB="23047">
+                    <a:lnL w="9525" cap="flat" cmpd="sng" algn="ctr">
+                      <a:solidFill>
+                        <a:srgbClr val="000000"/>
+                      </a:solidFill>
+                      <a:prstDash val="solid"/>
+                      <a:round/>
+                      <a:headEnd type="none" w="med" len="med"/>
+                      <a:tailEnd type="none" w="med" len="med"/>
+                    </a:lnL>
+                    <a:lnR w="9525" cap="flat" cmpd="sng" algn="ctr">
+                      <a:solidFill>
+                        <a:srgbClr val="000000"/>
+                      </a:solidFill>
+                      <a:prstDash val="solid"/>
+                      <a:round/>
+                      <a:headEnd type="none" w="med" len="med"/>
+                      <a:tailEnd type="none" w="med" len="med"/>
+                    </a:lnR>
+                    <a:lnT w="9525" cap="flat" cmpd="sng" algn="ctr">
+                      <a:solidFill>
+                        <a:srgbClr val="000000"/>
+                      </a:solidFill>
+                      <a:prstDash val="solid"/>
+                      <a:round/>
+                      <a:headEnd type="none" w="med" len="med"/>
+                      <a:tailEnd type="none" w="med" len="med"/>
+                    </a:lnT>
+                    <a:lnB w="9525" cap="flat" cmpd="sng" algn="ctr">
+                      <a:solidFill>
+                        <a:srgbClr val="000000"/>
+                      </a:solidFill>
+                      <a:prstDash val="solid"/>
+                      <a:round/>
+                      <a:headEnd type="none" w="med" len="med"/>
+                      <a:tailEnd type="none" w="med" len="med"/>
+                    </a:lnB>
+                  </a:tcPr>
+                </a:tc>
+                <a:tc>
+                  <a:txBody>
+                    <a:bodyPr/>
+                    <a:lstStyle/>
+                    <a:p>
+                      <a:r>
+                        <a:rPr lang="en" sz="1100">
+                          <a:solidFill>
+                            <a:srgbClr val="000000"/>
+                          </a:solidFill>
+                          <a:effectLst/>
+                          <a:latin typeface="Hiragino Kaku Gothic ProN" panose="020B0300000000000000" pitchFamily="34" charset="-128"/>
+                          <a:ea typeface="Hiragino Kaku Gothic ProN" panose="020B0300000000000000" pitchFamily="34" charset="-128"/>
+                        </a:rPr>
+                        <a:t>BIC</a:t>
+                      </a:r>
+                      <a:endParaRPr lang="en" sz="1100">
+                        <a:effectLst/>
+                      </a:endParaRPr>
+                    </a:p>
+                  </a:txBody>
+                  <a:tcPr marL="23047" marR="23047" marT="23047" marB="23047">
+                    <a:lnL w="9525" cap="flat" cmpd="sng" algn="ctr">
+                      <a:solidFill>
+                        <a:srgbClr val="000000"/>
+                      </a:solidFill>
+                      <a:prstDash val="solid"/>
+                      <a:round/>
+                      <a:headEnd type="none" w="med" len="med"/>
+                      <a:tailEnd type="none" w="med" len="med"/>
+                    </a:lnL>
+                    <a:lnR w="9525" cap="flat" cmpd="sng" algn="ctr">
+                      <a:solidFill>
+                        <a:srgbClr val="000000"/>
+                      </a:solidFill>
+                      <a:prstDash val="solid"/>
+                      <a:round/>
+                      <a:headEnd type="none" w="med" len="med"/>
+                      <a:tailEnd type="none" w="med" len="med"/>
+                    </a:lnR>
+                    <a:lnT w="9525" cap="flat" cmpd="sng" algn="ctr">
+                      <a:solidFill>
+                        <a:srgbClr val="000000"/>
+                      </a:solidFill>
+                      <a:prstDash val="solid"/>
+                      <a:round/>
+                      <a:headEnd type="none" w="med" len="med"/>
+                      <a:tailEnd type="none" w="med" len="med"/>
+                    </a:lnT>
+                    <a:lnB w="9525" cap="flat" cmpd="sng" algn="ctr">
+                      <a:solidFill>
+                        <a:srgbClr val="000000"/>
+                      </a:solidFill>
+                      <a:prstDash val="solid"/>
+                      <a:round/>
+                      <a:headEnd type="none" w="med" len="med"/>
+                      <a:tailEnd type="none" w="med" len="med"/>
+                    </a:lnB>
+                  </a:tcPr>
+                </a:tc>
+                <a:extLst>
+                  <a:ext uri="{0D108BD9-81ED-4DB2-BD59-A6C34878D82A}">
+                    <a16:rowId xmlns:a16="http://schemas.microsoft.com/office/drawing/2014/main" val="691127785"/>
+                  </a:ext>
+                </a:extLst>
+              </a:tr>
+              <a:tr h="558934">
+                <a:tc>
+                  <a:txBody>
+                    <a:bodyPr/>
+                    <a:lstStyle/>
+                    <a:p>
+                      <a:r>
+                        <a:rPr lang="en-US" altLang="ja-JP" sz="1100" b="1">
+                          <a:solidFill>
+                            <a:srgbClr val="000000"/>
+                          </a:solidFill>
+                          <a:effectLst/>
+                          <a:latin typeface="Hiragino Kaku Gothic ProN" panose="020B0300000000000000" pitchFamily="34" charset="-128"/>
+                          <a:ea typeface="Hiragino Kaku Gothic ProN" panose="020B0300000000000000" pitchFamily="34" charset="-128"/>
+                        </a:rPr>
+                        <a:t>4</a:t>
+                      </a:r>
+                      <a:endParaRPr lang="ja-JP" altLang="en-US" sz="1100">
+                        <a:effectLst/>
+                      </a:endParaRPr>
+                    </a:p>
+                  </a:txBody>
+                  <a:tcPr marL="23047" marR="23047" marT="23047" marB="23047">
+                    <a:lnL w="9525" cap="flat" cmpd="sng" algn="ctr">
+                      <a:solidFill>
+                        <a:srgbClr val="000000"/>
+                      </a:solidFill>
+                      <a:prstDash val="solid"/>
+                      <a:round/>
+                      <a:headEnd type="none" w="med" len="med"/>
+                      <a:tailEnd type="none" w="med" len="med"/>
+                    </a:lnL>
+                    <a:lnR w="9525" cap="flat" cmpd="sng" algn="ctr">
+                      <a:solidFill>
+                        <a:srgbClr val="000000"/>
+                      </a:solidFill>
+                      <a:prstDash val="solid"/>
+                      <a:round/>
+                      <a:headEnd type="none" w="med" len="med"/>
+                      <a:tailEnd type="none" w="med" len="med"/>
+                    </a:lnR>
+                    <a:lnT w="9525" cap="flat" cmpd="sng" algn="ctr">
+                      <a:solidFill>
+                        <a:srgbClr val="000000"/>
+                      </a:solidFill>
+                      <a:prstDash val="solid"/>
+                      <a:round/>
+                      <a:headEnd type="none" w="med" len="med"/>
+                      <a:tailEnd type="none" w="med" len="med"/>
+                    </a:lnT>
+                    <a:lnB w="9525" cap="flat" cmpd="sng" algn="ctr">
+                      <a:solidFill>
+                        <a:srgbClr val="000000"/>
+                      </a:solidFill>
+                      <a:prstDash val="solid"/>
+                      <a:round/>
+                      <a:headEnd type="none" w="med" len="med"/>
+                      <a:tailEnd type="none" w="med" len="med"/>
+                    </a:lnB>
+                    <a:solidFill>
+                      <a:srgbClr val="D4D4D4"/>
+                    </a:solidFill>
+                  </a:tcPr>
+                </a:tc>
+                <a:tc>
+                  <a:txBody>
+                    <a:bodyPr/>
+                    <a:lstStyle/>
+                    <a:p>
+                      <a:r>
+                        <a:rPr lang="en" sz="1100">
+                          <a:solidFill>
+                            <a:srgbClr val="000000"/>
+                          </a:solidFill>
+                          <a:effectLst/>
+                          <a:latin typeface="Hiragino Kaku Gothic ProN" panose="020B0300000000000000" pitchFamily="34" charset="-128"/>
+                          <a:ea typeface="Hiragino Kaku Gothic ProN" panose="020B0300000000000000" pitchFamily="34" charset="-128"/>
+                        </a:rPr>
+                        <a:t>RhatMax</a:t>
+                      </a:r>
+                      <a:endParaRPr lang="en" sz="1100">
+                        <a:effectLst/>
+                      </a:endParaRPr>
+                    </a:p>
+                  </a:txBody>
+                  <a:tcPr marL="23047" marR="23047" marT="23047" marB="23047">
+                    <a:lnL w="9525" cap="flat" cmpd="sng" algn="ctr">
+                      <a:solidFill>
+                        <a:srgbClr val="000000"/>
+                      </a:solidFill>
+                      <a:prstDash val="solid"/>
+                      <a:round/>
+                      <a:headEnd type="none" w="med" len="med"/>
+                      <a:tailEnd type="none" w="med" len="med"/>
+                    </a:lnL>
+                    <a:lnR w="9525" cap="flat" cmpd="sng" algn="ctr">
+                      <a:solidFill>
+                        <a:srgbClr val="000000"/>
+                      </a:solidFill>
+                      <a:prstDash val="solid"/>
+                      <a:round/>
+                      <a:headEnd type="none" w="med" len="med"/>
+                      <a:tailEnd type="none" w="med" len="med"/>
+                    </a:lnR>
+                    <a:lnT w="9525" cap="flat" cmpd="sng" algn="ctr">
+                      <a:solidFill>
+                        <a:srgbClr val="000000"/>
+                      </a:solidFill>
+                      <a:prstDash val="solid"/>
+                      <a:round/>
+                      <a:headEnd type="none" w="med" len="med"/>
+                      <a:tailEnd type="none" w="med" len="med"/>
+                    </a:lnT>
+                    <a:lnB w="9525" cap="flat" cmpd="sng" algn="ctr">
+                      <a:solidFill>
+                        <a:srgbClr val="000000"/>
+                      </a:solidFill>
+                      <a:prstDash val="solid"/>
+                      <a:round/>
+                      <a:headEnd type="none" w="med" len="med"/>
+                      <a:tailEnd type="none" w="med" len="med"/>
+                    </a:lnB>
+                  </a:tcPr>
+                </a:tc>
+                <a:tc>
+                  <a:txBody>
+                    <a:bodyPr/>
+                    <a:lstStyle/>
+                    <a:p>
+                      <a:r>
+                        <a:rPr lang="en-US" altLang="ja-JP" sz="1100">
+                          <a:solidFill>
+                            <a:srgbClr val="000000"/>
+                          </a:solidFill>
+                          <a:effectLst/>
+                          <a:latin typeface="Hiragino Kaku Gothic ProN" panose="020B0300000000000000" pitchFamily="34" charset="-128"/>
+                          <a:ea typeface="Hiragino Kaku Gothic ProN" panose="020B0300000000000000" pitchFamily="34" charset="-128"/>
+                        </a:rPr>
+                        <a:t>1.00634051514954</a:t>
+                      </a:r>
+                      <a:endParaRPr lang="ja-JP" altLang="en-US" sz="1100">
+                        <a:effectLst/>
+                      </a:endParaRPr>
+                    </a:p>
+                  </a:txBody>
+                  <a:tcPr marL="23047" marR="23047" marT="23047" marB="23047">
+                    <a:lnL w="9525" cap="flat" cmpd="sng" algn="ctr">
+                      <a:solidFill>
+                        <a:srgbClr val="000000"/>
+                      </a:solidFill>
+                      <a:prstDash val="solid"/>
+                      <a:round/>
+                      <a:headEnd type="none" w="med" len="med"/>
+                      <a:tailEnd type="none" w="med" len="med"/>
+                    </a:lnL>
+                    <a:lnR w="9525" cap="flat" cmpd="sng" algn="ctr">
+                      <a:solidFill>
+                        <a:srgbClr val="000000"/>
+                      </a:solidFill>
+                      <a:prstDash val="solid"/>
+                      <a:round/>
+                      <a:headEnd type="none" w="med" len="med"/>
+                      <a:tailEnd type="none" w="med" len="med"/>
+                    </a:lnR>
+                    <a:lnT w="9525" cap="flat" cmpd="sng" algn="ctr">
+                      <a:solidFill>
+                        <a:srgbClr val="000000"/>
+                      </a:solidFill>
+                      <a:prstDash val="solid"/>
+                      <a:round/>
+                      <a:headEnd type="none" w="med" len="med"/>
+                      <a:tailEnd type="none" w="med" len="med"/>
+                    </a:lnT>
+                    <a:lnB w="9525" cap="flat" cmpd="sng" algn="ctr">
+                      <a:solidFill>
+                        <a:srgbClr val="000000"/>
+                      </a:solidFill>
+                      <a:prstDash val="solid"/>
+                      <a:round/>
+                      <a:headEnd type="none" w="med" len="med"/>
+                      <a:tailEnd type="none" w="med" len="med"/>
+                    </a:lnB>
+                  </a:tcPr>
+                </a:tc>
+                <a:extLst>
+                  <a:ext uri="{0D108BD9-81ED-4DB2-BD59-A6C34878D82A}">
+                    <a16:rowId xmlns:a16="http://schemas.microsoft.com/office/drawing/2014/main" val="1861293899"/>
+                  </a:ext>
+                </a:extLst>
+              </a:tr>
+              <a:tr h="558934">
+                <a:tc>
+                  <a:txBody>
+                    <a:bodyPr/>
+                    <a:lstStyle/>
+                    <a:p>
+                      <a:r>
+                        <a:rPr lang="en-US" altLang="ja-JP" sz="1100" b="1">
+                          <a:solidFill>
+                            <a:srgbClr val="000000"/>
+                          </a:solidFill>
+                          <a:effectLst/>
+                          <a:latin typeface="Hiragino Kaku Gothic ProN" panose="020B0300000000000000" pitchFamily="34" charset="-128"/>
+                          <a:ea typeface="Hiragino Kaku Gothic ProN" panose="020B0300000000000000" pitchFamily="34" charset="-128"/>
+                        </a:rPr>
+                        <a:t>5</a:t>
+                      </a:r>
+                      <a:endParaRPr lang="ja-JP" altLang="en-US" sz="1100">
+                        <a:effectLst/>
+                      </a:endParaRPr>
+                    </a:p>
+                  </a:txBody>
+                  <a:tcPr marL="23047" marR="23047" marT="23047" marB="23047">
+                    <a:lnL w="9525" cap="flat" cmpd="sng" algn="ctr">
+                      <a:solidFill>
+                        <a:srgbClr val="000000"/>
+                      </a:solidFill>
+                      <a:prstDash val="solid"/>
+                      <a:round/>
+                      <a:headEnd type="none" w="med" len="med"/>
+                      <a:tailEnd type="none" w="med" len="med"/>
+                    </a:lnL>
+                    <a:lnR w="9525" cap="flat" cmpd="sng" algn="ctr">
+                      <a:solidFill>
+                        <a:srgbClr val="000000"/>
+                      </a:solidFill>
+                      <a:prstDash val="solid"/>
+                      <a:round/>
+                      <a:headEnd type="none" w="med" len="med"/>
+                      <a:tailEnd type="none" w="med" len="med"/>
+                    </a:lnR>
+                    <a:lnT w="9525" cap="flat" cmpd="sng" algn="ctr">
+                      <a:solidFill>
+                        <a:srgbClr val="000000"/>
+                      </a:solidFill>
+                      <a:prstDash val="solid"/>
+                      <a:round/>
+                      <a:headEnd type="none" w="med" len="med"/>
+                      <a:tailEnd type="none" w="med" len="med"/>
+                    </a:lnT>
+                    <a:lnB w="9525" cap="flat" cmpd="sng" algn="ctr">
+                      <a:solidFill>
+                        <a:srgbClr val="000000"/>
+                      </a:solidFill>
+                      <a:prstDash val="solid"/>
+                      <a:round/>
+                      <a:headEnd type="none" w="med" len="med"/>
+                      <a:tailEnd type="none" w="med" len="med"/>
+                    </a:lnB>
+                    <a:solidFill>
+                      <a:srgbClr val="D4D4D4"/>
+                    </a:solidFill>
+                  </a:tcPr>
+                </a:tc>
+                <a:tc>
+                  <a:txBody>
+                    <a:bodyPr/>
+                    <a:lstStyle/>
+                    <a:p>
+                      <a:r>
+                        <a:rPr lang="en" sz="1100">
+                          <a:solidFill>
+                            <a:srgbClr val="000000"/>
+                          </a:solidFill>
+                          <a:effectLst/>
+                          <a:latin typeface="Hiragino Kaku Gothic ProN" panose="020B0300000000000000" pitchFamily="34" charset="-128"/>
+                          <a:ea typeface="Hiragino Kaku Gothic ProN" panose="020B0300000000000000" pitchFamily="34" charset="-128"/>
+                        </a:rPr>
+                        <a:t>RhatMean</a:t>
+                      </a:r>
+                      <a:endParaRPr lang="en" sz="1100">
+                        <a:effectLst/>
+                      </a:endParaRPr>
+                    </a:p>
+                  </a:txBody>
+                  <a:tcPr marL="23047" marR="23047" marT="23047" marB="23047">
+                    <a:lnL w="9525" cap="flat" cmpd="sng" algn="ctr">
+                      <a:solidFill>
+                        <a:srgbClr val="000000"/>
+                      </a:solidFill>
+                      <a:prstDash val="solid"/>
+                      <a:round/>
+                      <a:headEnd type="none" w="med" len="med"/>
+                      <a:tailEnd type="none" w="med" len="med"/>
+                    </a:lnL>
+                    <a:lnR w="9525" cap="flat" cmpd="sng" algn="ctr">
+                      <a:solidFill>
+                        <a:srgbClr val="000000"/>
+                      </a:solidFill>
+                      <a:prstDash val="solid"/>
+                      <a:round/>
+                      <a:headEnd type="none" w="med" len="med"/>
+                      <a:tailEnd type="none" w="med" len="med"/>
+                    </a:lnR>
+                    <a:lnT w="9525" cap="flat" cmpd="sng" algn="ctr">
+                      <a:solidFill>
+                        <a:srgbClr val="000000"/>
+                      </a:solidFill>
+                      <a:prstDash val="solid"/>
+                      <a:round/>
+                      <a:headEnd type="none" w="med" len="med"/>
+                      <a:tailEnd type="none" w="med" len="med"/>
+                    </a:lnT>
+                    <a:lnB w="9525" cap="flat" cmpd="sng" algn="ctr">
+                      <a:solidFill>
+                        <a:srgbClr val="000000"/>
+                      </a:solidFill>
+                      <a:prstDash val="solid"/>
+                      <a:round/>
+                      <a:headEnd type="none" w="med" len="med"/>
+                      <a:tailEnd type="none" w="med" len="med"/>
+                    </a:lnB>
+                  </a:tcPr>
+                </a:tc>
+                <a:tc>
+                  <a:txBody>
+                    <a:bodyPr/>
+                    <a:lstStyle/>
+                    <a:p>
+                      <a:r>
+                        <a:rPr lang="en-US" altLang="ja-JP" sz="1100">
+                          <a:solidFill>
+                            <a:srgbClr val="000000"/>
+                          </a:solidFill>
+                          <a:effectLst/>
+                          <a:latin typeface="Hiragino Kaku Gothic ProN" panose="020B0300000000000000" pitchFamily="34" charset="-128"/>
+                          <a:ea typeface="Hiragino Kaku Gothic ProN" panose="020B0300000000000000" pitchFamily="34" charset="-128"/>
+                        </a:rPr>
+                        <a:t>1.0007075736619</a:t>
+                      </a:r>
+                      <a:endParaRPr lang="ja-JP" altLang="en-US" sz="1100">
+                        <a:effectLst/>
+                      </a:endParaRPr>
+                    </a:p>
+                  </a:txBody>
+                  <a:tcPr marL="23047" marR="23047" marT="23047" marB="23047">
+                    <a:lnL w="9525" cap="flat" cmpd="sng" algn="ctr">
+                      <a:solidFill>
+                        <a:srgbClr val="000000"/>
+                      </a:solidFill>
+                      <a:prstDash val="solid"/>
+                      <a:round/>
+                      <a:headEnd type="none" w="med" len="med"/>
+                      <a:tailEnd type="none" w="med" len="med"/>
+                    </a:lnL>
+                    <a:lnR w="9525" cap="flat" cmpd="sng" algn="ctr">
+                      <a:solidFill>
+                        <a:srgbClr val="000000"/>
+                      </a:solidFill>
+                      <a:prstDash val="solid"/>
+                      <a:round/>
+                      <a:headEnd type="none" w="med" len="med"/>
+                      <a:tailEnd type="none" w="med" len="med"/>
+                    </a:lnR>
+                    <a:lnT w="9525" cap="flat" cmpd="sng" algn="ctr">
+                      <a:solidFill>
+                        <a:srgbClr val="000000"/>
+                      </a:solidFill>
+                      <a:prstDash val="solid"/>
+                      <a:round/>
+                      <a:headEnd type="none" w="med" len="med"/>
+                      <a:tailEnd type="none" w="med" len="med"/>
+                    </a:lnT>
+                    <a:lnB w="9525" cap="flat" cmpd="sng" algn="ctr">
+                      <a:solidFill>
+                        <a:srgbClr val="000000"/>
+                      </a:solidFill>
+                      <a:prstDash val="solid"/>
+                      <a:round/>
+                      <a:headEnd type="none" w="med" len="med"/>
+                      <a:tailEnd type="none" w="med" len="med"/>
+                    </a:lnB>
+                  </a:tcPr>
+                </a:tc>
+                <a:extLst>
+                  <a:ext uri="{0D108BD9-81ED-4DB2-BD59-A6C34878D82A}">
+                    <a16:rowId xmlns:a16="http://schemas.microsoft.com/office/drawing/2014/main" val="3463121253"/>
+                  </a:ext>
+                </a:extLst>
+              </a:tr>
+              <a:tr h="428188">
+                <a:tc>
+                  <a:txBody>
+                    <a:bodyPr/>
+                    <a:lstStyle/>
+                    <a:p>
+                      <a:r>
+                        <a:rPr lang="en-US" altLang="ja-JP" sz="1100" b="1">
+                          <a:solidFill>
+                            <a:srgbClr val="000000"/>
+                          </a:solidFill>
+                          <a:effectLst/>
+                          <a:latin typeface="Hiragino Kaku Gothic ProN" panose="020B0300000000000000" pitchFamily="34" charset="-128"/>
+                          <a:ea typeface="Hiragino Kaku Gothic ProN" panose="020B0300000000000000" pitchFamily="34" charset="-128"/>
+                        </a:rPr>
+                        <a:t>6</a:t>
+                      </a:r>
+                      <a:endParaRPr lang="ja-JP" altLang="en-US" sz="1100">
+                        <a:effectLst/>
+                      </a:endParaRPr>
+                    </a:p>
+                  </a:txBody>
+                  <a:tcPr marL="23047" marR="23047" marT="23047" marB="23047">
+                    <a:lnL w="9525" cap="flat" cmpd="sng" algn="ctr">
+                      <a:solidFill>
+                        <a:srgbClr val="000000"/>
+                      </a:solidFill>
+                      <a:prstDash val="solid"/>
+                      <a:round/>
+                      <a:headEnd type="none" w="med" len="med"/>
+                      <a:tailEnd type="none" w="med" len="med"/>
+                    </a:lnL>
+                    <a:lnR w="9525" cap="flat" cmpd="sng" algn="ctr">
+                      <a:solidFill>
+                        <a:srgbClr val="000000"/>
+                      </a:solidFill>
+                      <a:prstDash val="solid"/>
+                      <a:round/>
+                      <a:headEnd type="none" w="med" len="med"/>
+                      <a:tailEnd type="none" w="med" len="med"/>
+                    </a:lnR>
+                    <a:lnT w="9525" cap="flat" cmpd="sng" algn="ctr">
+                      <a:solidFill>
+                        <a:srgbClr val="000000"/>
+                      </a:solidFill>
+                      <a:prstDash val="solid"/>
+                      <a:round/>
+                      <a:headEnd type="none" w="med" len="med"/>
+                      <a:tailEnd type="none" w="med" len="med"/>
+                    </a:lnT>
+                    <a:lnB w="9525" cap="flat" cmpd="sng" algn="ctr">
+                      <a:solidFill>
+                        <a:srgbClr val="000000"/>
+                      </a:solidFill>
+                      <a:prstDash val="solid"/>
+                      <a:round/>
+                      <a:headEnd type="none" w="med" len="med"/>
+                      <a:tailEnd type="none" w="med" len="med"/>
+                    </a:lnB>
+                    <a:solidFill>
+                      <a:srgbClr val="D4D4D4"/>
+                    </a:solidFill>
+                  </a:tcPr>
+                </a:tc>
+                <a:tc>
+                  <a:txBody>
+                    <a:bodyPr/>
+                    <a:lstStyle/>
+                    <a:p>
+                      <a:r>
+                        <a:rPr lang="en" sz="1100">
+                          <a:solidFill>
+                            <a:srgbClr val="000000"/>
+                          </a:solidFill>
+                          <a:effectLst/>
+                          <a:latin typeface="Hiragino Kaku Gothic ProN" panose="020B0300000000000000" pitchFamily="34" charset="-128"/>
+                          <a:ea typeface="Hiragino Kaku Gothic ProN" panose="020B0300000000000000" pitchFamily="34" charset="-128"/>
+                        </a:rPr>
+                        <a:t>SE Mean</a:t>
+                      </a:r>
+                      <a:endParaRPr lang="en" sz="1100">
+                        <a:effectLst/>
+                      </a:endParaRPr>
+                    </a:p>
+                  </a:txBody>
+                  <a:tcPr marL="23047" marR="23047" marT="23047" marB="23047">
+                    <a:lnL w="9525" cap="flat" cmpd="sng" algn="ctr">
+                      <a:solidFill>
+                        <a:srgbClr val="000000"/>
+                      </a:solidFill>
+                      <a:prstDash val="solid"/>
+                      <a:round/>
+                      <a:headEnd type="none" w="med" len="med"/>
+                      <a:tailEnd type="none" w="med" len="med"/>
+                    </a:lnL>
+                    <a:lnR w="9525" cap="flat" cmpd="sng" algn="ctr">
+                      <a:solidFill>
+                        <a:srgbClr val="000000"/>
+                      </a:solidFill>
+                      <a:prstDash val="solid"/>
+                      <a:round/>
+                      <a:headEnd type="none" w="med" len="med"/>
+                      <a:tailEnd type="none" w="med" len="med"/>
+                    </a:lnR>
+                    <a:lnT w="9525" cap="flat" cmpd="sng" algn="ctr">
+                      <a:solidFill>
+                        <a:srgbClr val="000000"/>
+                      </a:solidFill>
+                      <a:prstDash val="solid"/>
+                      <a:round/>
+                      <a:headEnd type="none" w="med" len="med"/>
+                      <a:tailEnd type="none" w="med" len="med"/>
+                    </a:lnT>
+                    <a:lnB w="9525" cap="flat" cmpd="sng" algn="ctr">
+                      <a:solidFill>
+                        <a:srgbClr val="000000"/>
+                      </a:solidFill>
+                      <a:prstDash val="solid"/>
+                      <a:round/>
+                      <a:headEnd type="none" w="med" len="med"/>
+                      <a:tailEnd type="none" w="med" len="med"/>
+                    </a:lnB>
+                  </a:tcPr>
+                </a:tc>
+                <a:tc>
+                  <a:txBody>
+                    <a:bodyPr/>
+                    <a:lstStyle/>
+                    <a:p>
+                      <a:r>
+                        <a:rPr lang="en-US" altLang="ja-JP" sz="1100">
+                          <a:solidFill>
+                            <a:srgbClr val="000000"/>
+                          </a:solidFill>
+                          <a:effectLst/>
+                          <a:latin typeface="Hiragino Kaku Gothic ProN" panose="020B0300000000000000" pitchFamily="34" charset="-128"/>
+                          <a:ea typeface="Hiragino Kaku Gothic ProN" panose="020B0300000000000000" pitchFamily="34" charset="-128"/>
+                        </a:rPr>
+                        <a:t>0.138997662435024</a:t>
+                      </a:r>
+                      <a:endParaRPr lang="ja-JP" altLang="en-US" sz="1100">
+                        <a:effectLst/>
+                      </a:endParaRPr>
+                    </a:p>
+                  </a:txBody>
+                  <a:tcPr marL="23047" marR="23047" marT="23047" marB="23047">
+                    <a:lnL w="9525" cap="flat" cmpd="sng" algn="ctr">
+                      <a:solidFill>
+                        <a:srgbClr val="000000"/>
+                      </a:solidFill>
+                      <a:prstDash val="solid"/>
+                      <a:round/>
+                      <a:headEnd type="none" w="med" len="med"/>
+                      <a:tailEnd type="none" w="med" len="med"/>
+                    </a:lnL>
+                    <a:lnR w="9525" cap="flat" cmpd="sng" algn="ctr">
+                      <a:solidFill>
+                        <a:srgbClr val="000000"/>
+                      </a:solidFill>
+                      <a:prstDash val="solid"/>
+                      <a:round/>
+                      <a:headEnd type="none" w="med" len="med"/>
+                      <a:tailEnd type="none" w="med" len="med"/>
+                    </a:lnR>
+                    <a:lnT w="9525" cap="flat" cmpd="sng" algn="ctr">
+                      <a:solidFill>
+                        <a:srgbClr val="000000"/>
+                      </a:solidFill>
+                      <a:prstDash val="solid"/>
+                      <a:round/>
+                      <a:headEnd type="none" w="med" len="med"/>
+                      <a:tailEnd type="none" w="med" len="med"/>
+                    </a:lnT>
+                    <a:lnB w="9525" cap="flat" cmpd="sng" algn="ctr">
+                      <a:solidFill>
+                        <a:srgbClr val="000000"/>
+                      </a:solidFill>
+                      <a:prstDash val="solid"/>
+                      <a:round/>
+                      <a:headEnd type="none" w="med" len="med"/>
+                      <a:tailEnd type="none" w="med" len="med"/>
+                    </a:lnB>
+                  </a:tcPr>
+                </a:tc>
+                <a:extLst>
+                  <a:ext uri="{0D108BD9-81ED-4DB2-BD59-A6C34878D82A}">
+                    <a16:rowId xmlns:a16="http://schemas.microsoft.com/office/drawing/2014/main" val="944022839"/>
+                  </a:ext>
+                </a:extLst>
+              </a:tr>
+              <a:tr h="428188">
+                <a:tc>
+                  <a:txBody>
+                    <a:bodyPr/>
+                    <a:lstStyle/>
+                    <a:p>
+                      <a:r>
+                        <a:rPr lang="en-US" altLang="ja-JP" sz="1100" b="1">
+                          <a:solidFill>
+                            <a:srgbClr val="000000"/>
+                          </a:solidFill>
+                          <a:effectLst/>
+                          <a:latin typeface="Hiragino Kaku Gothic ProN" panose="020B0300000000000000" pitchFamily="34" charset="-128"/>
+                          <a:ea typeface="Hiragino Kaku Gothic ProN" panose="020B0300000000000000" pitchFamily="34" charset="-128"/>
+                        </a:rPr>
+                        <a:t>7</a:t>
+                      </a:r>
+                      <a:endParaRPr lang="ja-JP" altLang="en-US" sz="1100">
+                        <a:effectLst/>
+                      </a:endParaRPr>
+                    </a:p>
+                  </a:txBody>
+                  <a:tcPr marL="23047" marR="23047" marT="23047" marB="23047">
+                    <a:lnL w="9525" cap="flat" cmpd="sng" algn="ctr">
+                      <a:solidFill>
+                        <a:srgbClr val="000000"/>
+                      </a:solidFill>
+                      <a:prstDash val="solid"/>
+                      <a:round/>
+                      <a:headEnd type="none" w="med" len="med"/>
+                      <a:tailEnd type="none" w="med" len="med"/>
+                    </a:lnL>
+                    <a:lnR w="9525" cap="flat" cmpd="sng" algn="ctr">
+                      <a:solidFill>
+                        <a:srgbClr val="000000"/>
+                      </a:solidFill>
+                      <a:prstDash val="solid"/>
+                      <a:round/>
+                      <a:headEnd type="none" w="med" len="med"/>
+                      <a:tailEnd type="none" w="med" len="med"/>
+                    </a:lnR>
+                    <a:lnT w="9525" cap="flat" cmpd="sng" algn="ctr">
+                      <a:solidFill>
+                        <a:srgbClr val="000000"/>
+                      </a:solidFill>
+                      <a:prstDash val="solid"/>
+                      <a:round/>
+                      <a:headEnd type="none" w="med" len="med"/>
+                      <a:tailEnd type="none" w="med" len="med"/>
+                    </a:lnT>
+                    <a:lnB w="9525" cap="flat" cmpd="sng" algn="ctr">
+                      <a:solidFill>
+                        <a:srgbClr val="000000"/>
+                      </a:solidFill>
+                      <a:prstDash val="solid"/>
+                      <a:round/>
+                      <a:headEnd type="none" w="med" len="med"/>
+                      <a:tailEnd type="none" w="med" len="med"/>
+                    </a:lnB>
+                    <a:solidFill>
+                      <a:srgbClr val="D4D4D4"/>
+                    </a:solidFill>
+                  </a:tcPr>
+                </a:tc>
+                <a:tc>
+                  <a:txBody>
+                    <a:bodyPr/>
+                    <a:lstStyle/>
+                    <a:p>
+                      <a:r>
+                        <a:rPr lang="en" sz="1100">
+                          <a:solidFill>
+                            <a:srgbClr val="000000"/>
+                          </a:solidFill>
+                          <a:effectLst/>
+                          <a:latin typeface="Hiragino Kaku Gothic ProN" panose="020B0300000000000000" pitchFamily="34" charset="-128"/>
+                          <a:ea typeface="Hiragino Kaku Gothic ProN" panose="020B0300000000000000" pitchFamily="34" charset="-128"/>
+                        </a:rPr>
+                        <a:t>SE SD</a:t>
+                      </a:r>
+                      <a:endParaRPr lang="en" sz="1100">
+                        <a:effectLst/>
+                      </a:endParaRPr>
+                    </a:p>
+                  </a:txBody>
+                  <a:tcPr marL="23047" marR="23047" marT="23047" marB="23047">
+                    <a:lnL w="9525" cap="flat" cmpd="sng" algn="ctr">
+                      <a:solidFill>
+                        <a:srgbClr val="000000"/>
+                      </a:solidFill>
+                      <a:prstDash val="solid"/>
+                      <a:round/>
+                      <a:headEnd type="none" w="med" len="med"/>
+                      <a:tailEnd type="none" w="med" len="med"/>
+                    </a:lnL>
+                    <a:lnR w="9525" cap="flat" cmpd="sng" algn="ctr">
+                      <a:solidFill>
+                        <a:srgbClr val="000000"/>
+                      </a:solidFill>
+                      <a:prstDash val="solid"/>
+                      <a:round/>
+                      <a:headEnd type="none" w="med" len="med"/>
+                      <a:tailEnd type="none" w="med" len="med"/>
+                    </a:lnR>
+                    <a:lnT w="9525" cap="flat" cmpd="sng" algn="ctr">
+                      <a:solidFill>
+                        <a:srgbClr val="000000"/>
+                      </a:solidFill>
+                      <a:prstDash val="solid"/>
+                      <a:round/>
+                      <a:headEnd type="none" w="med" len="med"/>
+                      <a:tailEnd type="none" w="med" len="med"/>
+                    </a:lnT>
+                    <a:lnB w="9525" cap="flat" cmpd="sng" algn="ctr">
+                      <a:solidFill>
+                        <a:srgbClr val="000000"/>
+                      </a:solidFill>
+                      <a:prstDash val="solid"/>
+                      <a:round/>
+                      <a:headEnd type="none" w="med" len="med"/>
+                      <a:tailEnd type="none" w="med" len="med"/>
+                    </a:lnB>
+                  </a:tcPr>
+                </a:tc>
+                <a:tc>
+                  <a:txBody>
+                    <a:bodyPr/>
+                    <a:lstStyle/>
+                    <a:p>
+                      <a:r>
+                        <a:rPr lang="en-US" altLang="ja-JP" sz="1100" dirty="0">
+                          <a:solidFill>
+                            <a:srgbClr val="000000"/>
+                          </a:solidFill>
+                          <a:effectLst/>
+                          <a:latin typeface="Hiragino Kaku Gothic ProN" panose="020B0300000000000000" pitchFamily="34" charset="-128"/>
+                          <a:ea typeface="Hiragino Kaku Gothic ProN" panose="020B0300000000000000" pitchFamily="34" charset="-128"/>
+                        </a:rPr>
+                        <a:t>0.0113312959237642</a:t>
+                      </a:r>
+                      <a:endParaRPr lang="ja-JP" altLang="en-US" sz="1100">
+                        <a:effectLst/>
+                      </a:endParaRPr>
+                    </a:p>
+                  </a:txBody>
+                  <a:tcPr marL="23047" marR="23047" marT="23047" marB="23047">
+                    <a:lnL w="9525" cap="flat" cmpd="sng" algn="ctr">
+                      <a:solidFill>
+                        <a:srgbClr val="000000"/>
+                      </a:solidFill>
+                      <a:prstDash val="solid"/>
+                      <a:round/>
+                      <a:headEnd type="none" w="med" len="med"/>
+                      <a:tailEnd type="none" w="med" len="med"/>
+                    </a:lnL>
+                    <a:lnR w="9525" cap="flat" cmpd="sng" algn="ctr">
+                      <a:solidFill>
+                        <a:srgbClr val="000000"/>
+                      </a:solidFill>
+                      <a:prstDash val="solid"/>
+                      <a:round/>
+                      <a:headEnd type="none" w="med" len="med"/>
+                      <a:tailEnd type="none" w="med" len="med"/>
+                    </a:lnR>
+                    <a:lnT w="9525" cap="flat" cmpd="sng" algn="ctr">
+                      <a:solidFill>
+                        <a:srgbClr val="000000"/>
+                      </a:solidFill>
+                      <a:prstDash val="solid"/>
+                      <a:round/>
+                      <a:headEnd type="none" w="med" len="med"/>
+                      <a:tailEnd type="none" w="med" len="med"/>
+                    </a:lnT>
+                    <a:lnB w="9525" cap="flat" cmpd="sng" algn="ctr">
+                      <a:solidFill>
+                        <a:srgbClr val="000000"/>
+                      </a:solidFill>
+                      <a:prstDash val="solid"/>
+                      <a:round/>
+                      <a:headEnd type="none" w="med" len="med"/>
+                      <a:tailEnd type="none" w="med" len="med"/>
+                    </a:lnB>
+                  </a:tcPr>
+                </a:tc>
+                <a:extLst>
+                  <a:ext uri="{0D108BD9-81ED-4DB2-BD59-A6C34878D82A}">
+                    <a16:rowId xmlns:a16="http://schemas.microsoft.com/office/drawing/2014/main" val="884753499"/>
+                  </a:ext>
+                </a:extLst>
+              </a:tr>
+            </a:tbl>
+          </a:graphicData>
+        </a:graphic>
+      </p:graphicFrame>
+      <p:sp>
+        <p:nvSpPr>
+          <p:cNvPr id="7" name="テキスト ボックス 6">
+            <a:extLst>
+              <a:ext uri="{FF2B5EF4-FFF2-40B4-BE49-F238E27FC236}">
+                <a16:creationId xmlns:a16="http://schemas.microsoft.com/office/drawing/2014/main" id="{9F5FF075-DE9E-6B48-9C02-61CFFBFEA886}"/>
+              </a:ext>
+            </a:extLst>
+          </p:cNvPr>
+          <p:cNvSpPr txBox="1"/>
+          <p:nvPr/>
+        </p:nvSpPr>
+        <p:spPr>
+          <a:xfrm>
+            <a:off x="6599696" y="1812176"/>
+            <a:ext cx="5157627" cy="954107"/>
+          </a:xfrm>
+          <a:prstGeom prst="rect">
+            <a:avLst/>
+          </a:prstGeom>
+          <a:noFill/>
+        </p:spPr>
+        <p:txBody>
+          <a:bodyPr wrap="square" rtlCol="0">
+            <a:spAutoFit/>
+          </a:bodyPr>
+          <a:lstStyle/>
+          <a:p>
+            <a:pPr marL="285750" indent="-285750">
+              <a:buFont typeface="Arial" panose="020B0604020202020204" pitchFamily="34" charset="0"/>
+              <a:buChar char="•"/>
+            </a:pPr>
+            <a:r>
+              <a:rPr kumimoji="1" lang="ja-JP" altLang="en-US" sz="2800"/>
+              <a:t>提案モデル</a:t>
+            </a:r>
+            <a:r>
+              <a:rPr kumimoji="1" lang="en-US" altLang="ja-JP" sz="2800" dirty="0"/>
+              <a:t>(</a:t>
+            </a:r>
+            <a:r>
+              <a:rPr kumimoji="1" lang="ja-JP" altLang="en-US" sz="2800"/>
+              <a:t>分散</a:t>
+            </a:r>
+            <a:r>
+              <a:rPr kumimoji="1" lang="en-US" altLang="ja-JP" sz="2800" dirty="0"/>
+              <a:t>0.1</a:t>
+            </a:r>
+            <a:r>
+              <a:rPr kumimoji="1" lang="ja-JP" altLang="en-US" sz="2800"/>
+              <a:t>の時</a:t>
+            </a:r>
+            <a:r>
+              <a:rPr kumimoji="1" lang="en-US" altLang="ja-JP" sz="2800" dirty="0"/>
+              <a:t>)</a:t>
+            </a:r>
+          </a:p>
+          <a:p>
+            <a:pPr marL="285750" indent="-285750">
+              <a:buFont typeface="Arial" panose="020B0604020202020204" pitchFamily="34" charset="0"/>
+              <a:buChar char="•"/>
+            </a:pPr>
+            <a:endParaRPr kumimoji="1" lang="ja-JP" altLang="en-US" sz="2800"/>
+          </a:p>
+        </p:txBody>
+      </p:sp>
     </p:spTree>
     <p:extLst>
       <p:ext uri="{BB962C8B-B14F-4D97-AF65-F5344CB8AC3E}">

--- a/ゼミ0706.pptx
+++ b/ゼミ0706.pptx
@@ -9,6 +9,7 @@
     <p:sldId id="257" r:id="rId3"/>
     <p:sldId id="258" r:id="rId4"/>
     <p:sldId id="259" r:id="rId5"/>
+    <p:sldId id="260" r:id="rId6"/>
   </p:sldIdLst>
   <p:sldSz cx="12192000" cy="6858000"/>
   <p:notesSz cx="6858000" cy="9144000"/>
@@ -3749,124 +3750,140 @@
             <p:ph idx="1"/>
           </p:nvPr>
         </p:nvSpPr>
-        <p:spPr/>
+        <p:spPr>
+          <a:xfrm>
+            <a:off x="838200" y="1825625"/>
+            <a:ext cx="10515600" cy="1883346"/>
+          </a:xfrm>
+        </p:spPr>
         <p:txBody>
           <a:bodyPr/>
           <a:lstStyle/>
           <a:p>
             <a:r>
-              <a:rPr lang="ja-JP" altLang="en-US">
-                <a:solidFill>
-                  <a:schemeClr val="bg2">
-                    <a:lumMod val="50000"/>
-                  </a:schemeClr>
-                </a:solidFill>
-              </a:rPr>
-              <a:t>パラメータの結果を見やすくする</a:t>
-            </a:r>
-            <a:r>
-              <a:rPr lang="en-US" altLang="ja-JP" dirty="0">
-                <a:solidFill>
-                  <a:schemeClr val="bg2">
-                    <a:lumMod val="50000"/>
-                  </a:schemeClr>
-                </a:solidFill>
-              </a:rPr>
-              <a:t>(</a:t>
-            </a:r>
-            <a:r>
-              <a:rPr lang="en-US" altLang="ja-JP" dirty="0" err="1">
-                <a:solidFill>
-                  <a:schemeClr val="bg2">
-                    <a:lumMod val="50000"/>
-                  </a:schemeClr>
-                </a:solidFill>
-              </a:rPr>
-              <a:t>beta_rk</a:t>
-            </a:r>
-            <a:r>
-              <a:rPr lang="ja-JP" altLang="en-US">
-                <a:solidFill>
-                  <a:schemeClr val="bg2">
-                    <a:lumMod val="50000"/>
-                  </a:schemeClr>
-                </a:solidFill>
-              </a:rPr>
-              <a:t>みたいに</a:t>
-            </a:r>
-            <a:r>
-              <a:rPr lang="en-US" altLang="ja-JP" dirty="0">
-                <a:solidFill>
-                  <a:schemeClr val="bg2">
-                    <a:lumMod val="50000"/>
-                  </a:schemeClr>
-                </a:solidFill>
-              </a:rPr>
-              <a:t>)</a:t>
-            </a:r>
-          </a:p>
-          <a:p>
-            <a:r>
-              <a:rPr lang="en-US" altLang="ja-JP" dirty="0" err="1">
-                <a:solidFill>
-                  <a:schemeClr val="bg2">
-                    <a:lumMod val="50000"/>
-                  </a:schemeClr>
-                </a:solidFill>
-              </a:rPr>
-              <a:t>Category_prm</a:t>
-            </a:r>
-            <a:r>
-              <a:rPr lang="ja-JP" altLang="en-US">
-                <a:solidFill>
-                  <a:schemeClr val="bg2">
-                    <a:lumMod val="50000"/>
-                  </a:schemeClr>
-                </a:solidFill>
-              </a:rPr>
-              <a:t>を</a:t>
-            </a:r>
-            <a:r>
-              <a:rPr lang="en-US" altLang="ja-JP" dirty="0">
-                <a:solidFill>
-                  <a:schemeClr val="bg2">
-                    <a:lumMod val="50000"/>
-                  </a:schemeClr>
-                </a:solidFill>
-              </a:rPr>
-              <a:t>R</a:t>
-            </a:r>
-            <a:r>
-              <a:rPr lang="ja-JP" altLang="en-US">
-                <a:solidFill>
-                  <a:schemeClr val="bg2">
-                    <a:lumMod val="50000"/>
-                  </a:schemeClr>
-                </a:solidFill>
-              </a:rPr>
-              <a:t>に依存しないようにする</a:t>
-            </a:r>
-            <a:endParaRPr lang="en-US" altLang="ja-JP" dirty="0">
-              <a:solidFill>
-                <a:schemeClr val="bg2">
-                  <a:lumMod val="50000"/>
-                </a:schemeClr>
-              </a:solidFill>
-            </a:endParaRPr>
-          </a:p>
-          <a:p>
-            <a:r>
               <a:rPr lang="en-US" altLang="ja-JP" dirty="0" err="1"/>
               <a:t>Alpha_rt</a:t>
             </a:r>
             <a:r>
               <a:rPr lang="ja-JP" altLang="en-US"/>
-              <a:t>の分散もう少し小さくする</a:t>
+              <a:t>の分散もう少し小さくして回す</a:t>
             </a:r>
             <a:endParaRPr lang="en-US" altLang="ja-JP" dirty="0"/>
           </a:p>
           <a:p>
             <a:endParaRPr kumimoji="1" lang="ja-JP" altLang="en-US"/>
+          </a:p>
+        </p:txBody>
+      </p:sp>
+      <p:sp>
+        <p:nvSpPr>
+          <p:cNvPr id="9" name="テキスト ボックス 8">
+            <a:extLst>
+              <a:ext uri="{FF2B5EF4-FFF2-40B4-BE49-F238E27FC236}">
+                <a16:creationId xmlns:a16="http://schemas.microsoft.com/office/drawing/2014/main" id="{5192557A-30A7-1946-BC9A-B3DBE4537DFE}"/>
+              </a:ext>
+            </a:extLst>
+          </p:cNvPr>
+          <p:cNvSpPr txBox="1"/>
+          <p:nvPr/>
+        </p:nvSpPr>
+        <p:spPr>
+          <a:xfrm>
+            <a:off x="838200" y="2885591"/>
+            <a:ext cx="10956534" cy="769441"/>
+          </a:xfrm>
+          <a:prstGeom prst="rect">
+            <a:avLst/>
+          </a:prstGeom>
+          <a:noFill/>
+        </p:spPr>
+        <p:txBody>
+          <a:bodyPr wrap="square" rtlCol="0">
+            <a:spAutoFit/>
+          </a:bodyPr>
+          <a:lstStyle/>
+          <a:p>
+            <a:r>
+              <a:rPr kumimoji="1" lang="ja-JP" altLang="en-US" sz="4400">
+                <a:latin typeface="+mj-ea"/>
+                <a:ea typeface="+mj-ea"/>
+              </a:rPr>
+              <a:t>今週やりたかったけどやれなかったこと</a:t>
+            </a:r>
+          </a:p>
+        </p:txBody>
+      </p:sp>
+      <p:sp>
+        <p:nvSpPr>
+          <p:cNvPr id="10" name="テキスト ボックス 9">
+            <a:extLst>
+              <a:ext uri="{FF2B5EF4-FFF2-40B4-BE49-F238E27FC236}">
+                <a16:creationId xmlns:a16="http://schemas.microsoft.com/office/drawing/2014/main" id="{4D0E0421-B43A-4C49-8BC5-C44D2E89626F}"/>
+              </a:ext>
+            </a:extLst>
+          </p:cNvPr>
+          <p:cNvSpPr txBox="1"/>
+          <p:nvPr/>
+        </p:nvSpPr>
+        <p:spPr>
+          <a:xfrm>
+            <a:off x="934948" y="3883631"/>
+            <a:ext cx="10150868" cy="954107"/>
+          </a:xfrm>
+          <a:prstGeom prst="rect">
+            <a:avLst/>
+          </a:prstGeom>
+          <a:noFill/>
+        </p:spPr>
+        <p:txBody>
+          <a:bodyPr wrap="square" rtlCol="0">
+            <a:spAutoFit/>
+          </a:bodyPr>
+          <a:lstStyle/>
+          <a:p>
+            <a:pPr marL="285750" indent="-285750">
+              <a:buFont typeface="Arial" panose="020B0604020202020204" pitchFamily="34" charset="0"/>
+              <a:buChar char="•"/>
+            </a:pPr>
+            <a:r>
+              <a:rPr lang="ja-JP" altLang="en-US" sz="2800"/>
+              <a:t>パラメータの結果を見やすくする</a:t>
+            </a:r>
+            <a:r>
+              <a:rPr lang="en-US" altLang="ja-JP" sz="2800" dirty="0"/>
+              <a:t>(</a:t>
+            </a:r>
+            <a:r>
+              <a:rPr lang="ja-JP" altLang="en-US" sz="2800"/>
+              <a:t>途中</a:t>
+            </a:r>
+            <a:r>
+              <a:rPr lang="en-US" altLang="ja-JP" sz="2800" dirty="0"/>
+              <a:t>)</a:t>
+            </a:r>
+          </a:p>
+          <a:p>
+            <a:pPr marL="285750" indent="-285750">
+              <a:buFont typeface="Arial" panose="020B0604020202020204" pitchFamily="34" charset="0"/>
+              <a:buChar char="•"/>
+            </a:pPr>
+            <a:r>
+              <a:rPr lang="en-US" altLang="ja-JP" sz="2800" dirty="0" err="1"/>
+              <a:t>Category_prm</a:t>
+            </a:r>
+            <a:r>
+              <a:rPr lang="ja-JP" altLang="en-US" sz="2800"/>
+              <a:t>を</a:t>
+            </a:r>
+            <a:r>
+              <a:rPr lang="en-US" altLang="ja-JP" sz="2800" dirty="0"/>
+              <a:t>R</a:t>
+            </a:r>
+            <a:r>
+              <a:rPr lang="ja-JP" altLang="en-US" sz="2800"/>
+              <a:t>に依存しないようにする</a:t>
+            </a:r>
+            <a:endParaRPr lang="en-US" altLang="ja-JP" sz="2800" dirty="0"/>
           </a:p>
         </p:txBody>
       </p:sp>
@@ -3979,13 +3996,13 @@
             <p:ph sz="half" idx="2"/>
             <p:extLst>
               <p:ext uri="{D42A27DB-BD31-4B8C-83A1-F6EECF244321}">
-                <p14:modId xmlns:p14="http://schemas.microsoft.com/office/powerpoint/2010/main" val="8836417"/>
+                <p14:modId xmlns:p14="http://schemas.microsoft.com/office/powerpoint/2010/main" val="4006591818"/>
               </p:ext>
             </p:extLst>
           </p:nvPr>
         </p:nvGraphicFramePr>
         <p:xfrm>
-          <a:off x="990604" y="2534542"/>
+          <a:off x="990604" y="2557997"/>
           <a:ext cx="4598538" cy="3501193"/>
         </p:xfrm>
         <a:graphic>
@@ -4015,7 +4032,7 @@
                   </a:extLst>
                 </a:gridCol>
               </a:tblGrid>
-              <a:tr h="299449">
+              <a:tr h="357919">
                 <a:tc>
                   <a:txBody>
                     <a:bodyPr/>
@@ -8871,12 +8888,78 @@
           </a:graphicData>
         </a:graphic>
       </p:graphicFrame>
+      <p:sp>
+        <p:nvSpPr>
+          <p:cNvPr id="7" name="テキスト ボックス 6">
+            <a:extLst>
+              <a:ext uri="{FF2B5EF4-FFF2-40B4-BE49-F238E27FC236}">
+                <a16:creationId xmlns:a16="http://schemas.microsoft.com/office/drawing/2014/main" id="{9F5FF075-DE9E-6B48-9C02-61CFFBFEA886}"/>
+              </a:ext>
+            </a:extLst>
+          </p:cNvPr>
+          <p:cNvSpPr txBox="1"/>
+          <p:nvPr/>
+        </p:nvSpPr>
+        <p:spPr>
+          <a:xfrm>
+            <a:off x="6599696" y="1812176"/>
+            <a:ext cx="5157627" cy="954107"/>
+          </a:xfrm>
+          <a:prstGeom prst="rect">
+            <a:avLst/>
+          </a:prstGeom>
+          <a:noFill/>
+        </p:spPr>
+        <p:txBody>
+          <a:bodyPr wrap="square" rtlCol="0">
+            <a:spAutoFit/>
+          </a:bodyPr>
+          <a:lstStyle/>
+          <a:p>
+            <a:pPr marL="285750" indent="-285750">
+              <a:buFont typeface="Arial" panose="020B0604020202020204" pitchFamily="34" charset="0"/>
+              <a:buChar char="•"/>
+            </a:pPr>
+            <a:r>
+              <a:rPr kumimoji="1" lang="ja-JP" altLang="en-US" sz="2800"/>
+              <a:t>提案モデル</a:t>
+            </a:r>
+            <a:r>
+              <a:rPr kumimoji="1" lang="en-US" altLang="ja-JP" sz="2800" dirty="0"/>
+              <a:t>(</a:t>
+            </a:r>
+            <a:r>
+              <a:rPr kumimoji="1" lang="ja-JP" altLang="en-US" sz="2800"/>
+              <a:t>分散</a:t>
+            </a:r>
+            <a:r>
+              <a:rPr kumimoji="1" lang="en-US" altLang="ja-JP" sz="2800" dirty="0"/>
+              <a:t>0.25</a:t>
+            </a:r>
+            <a:r>
+              <a:rPr kumimoji="1" lang="ja-JP" altLang="en-US" sz="2800"/>
+              <a:t>の時</a:t>
+            </a:r>
+            <a:r>
+              <a:rPr kumimoji="1" lang="en-US" altLang="ja-JP" sz="2800" dirty="0"/>
+              <a:t>)</a:t>
+            </a:r>
+          </a:p>
+          <a:p>
+            <a:pPr marL="285750" indent="-285750">
+              <a:buFont typeface="Arial" panose="020B0604020202020204" pitchFamily="34" charset="0"/>
+              <a:buChar char="•"/>
+            </a:pPr>
+            <a:endParaRPr kumimoji="1" lang="ja-JP" altLang="en-US" sz="2800"/>
+          </a:p>
+        </p:txBody>
+      </p:sp>
       <p:graphicFrame>
         <p:nvGraphicFramePr>
-          <p:cNvPr id="6" name="表 5">
+          <p:cNvPr id="8" name="表 7">
             <a:extLst>
               <a:ext uri="{FF2B5EF4-FFF2-40B4-BE49-F238E27FC236}">
-                <a16:creationId xmlns:a16="http://schemas.microsoft.com/office/drawing/2014/main" id="{E18939F2-020D-7D45-9207-970E6C78AC0F}"/>
+                <a16:creationId xmlns:a16="http://schemas.microsoft.com/office/drawing/2014/main" id="{18C868E0-4D10-B74D-B08E-A64D30D1F75E}"/>
               </a:ext>
             </a:extLst>
           </p:cNvPr>
@@ -8886,43 +8969,43 @@
           <p:nvPr>
             <p:extLst>
               <p:ext uri="{D42A27DB-BD31-4B8C-83A1-F6EECF244321}">
-                <p14:modId xmlns:p14="http://schemas.microsoft.com/office/powerpoint/2010/main" val="3886153866"/>
+                <p14:modId xmlns:p14="http://schemas.microsoft.com/office/powerpoint/2010/main" val="243839682"/>
               </p:ext>
             </p:extLst>
           </p:nvPr>
         </p:nvGraphicFramePr>
         <p:xfrm>
-          <a:off x="6721010" y="2483261"/>
-          <a:ext cx="4632790" cy="3509436"/>
+          <a:off x="6654754" y="2493535"/>
+          <a:ext cx="4360524" cy="3428962"/>
         </p:xfrm>
         <a:graphic>
           <a:graphicData uri="http://schemas.openxmlformats.org/drawingml/2006/table">
             <a:tbl>
               <a:tblPr/>
               <a:tblGrid>
-                <a:gridCol w="1349677">
+                <a:gridCol w="1270357">
                   <a:extLst>
                     <a:ext uri="{9D8B030D-6E8A-4147-A177-3AD203B41FA5}">
-                      <a16:colId xmlns:a16="http://schemas.microsoft.com/office/drawing/2014/main" val="1731037092"/>
+                      <a16:colId xmlns:a16="http://schemas.microsoft.com/office/drawing/2014/main" val="448387750"/>
                     </a:ext>
                   </a:extLst>
                 </a:gridCol>
-                <a:gridCol w="1000950">
+                <a:gridCol w="942125">
                   <a:extLst>
                     <a:ext uri="{9D8B030D-6E8A-4147-A177-3AD203B41FA5}">
-                      <a16:colId xmlns:a16="http://schemas.microsoft.com/office/drawing/2014/main" val="2384132842"/>
+                      <a16:colId xmlns:a16="http://schemas.microsoft.com/office/drawing/2014/main" val="2532191906"/>
                     </a:ext>
                   </a:extLst>
                 </a:gridCol>
-                <a:gridCol w="2282163">
+                <a:gridCol w="2148042">
                   <a:extLst>
                     <a:ext uri="{9D8B030D-6E8A-4147-A177-3AD203B41FA5}">
-                      <a16:colId xmlns:a16="http://schemas.microsoft.com/office/drawing/2014/main" val="2735048153"/>
+                      <a16:colId xmlns:a16="http://schemas.microsoft.com/office/drawing/2014/main" val="54901488"/>
                     </a:ext>
                   </a:extLst>
                 </a:gridCol>
               </a:tblGrid>
-              <a:tr h="373130">
+              <a:tr h="329476">
                 <a:tc>
                   <a:txBody>
                     <a:bodyPr/>
@@ -8988,7 +9071,7 @@
                     <a:lstStyle/>
                     <a:p>
                       <a:r>
-                        <a:rPr lang="en" sz="1100" b="1">
+                        <a:rPr lang="en" sz="1100" b="1" dirty="0">
                           <a:solidFill>
                             <a:srgbClr val="000000"/>
                           </a:solidFill>
@@ -8998,7 +9081,7 @@
                         </a:rPr>
                         <a:t>V1</a:t>
                       </a:r>
-                      <a:endParaRPr lang="en" sz="1100">
+                      <a:endParaRPr lang="en" sz="1100" dirty="0">
                         <a:effectLst/>
                       </a:endParaRPr>
                     </a:p>
@@ -9051,7 +9134,7 @@
                     <a:lstStyle/>
                     <a:p>
                       <a:r>
-                        <a:rPr lang="en" sz="1100" b="1">
+                        <a:rPr lang="en" sz="1100" b="1" dirty="0">
                           <a:solidFill>
                             <a:srgbClr val="000000"/>
                           </a:solidFill>
@@ -9061,7 +9144,7 @@
                         </a:rPr>
                         <a:t>V2</a:t>
                       </a:r>
-                      <a:endParaRPr lang="en" sz="1100">
+                      <a:endParaRPr lang="en" sz="1100" dirty="0">
                         <a:effectLst/>
                       </a:endParaRPr>
                     </a:p>
@@ -9110,11 +9193,11 @@
                 </a:tc>
                 <a:extLst>
                   <a:ext uri="{0D108BD9-81ED-4DB2-BD59-A6C34878D82A}">
-                    <a16:rowId xmlns:a16="http://schemas.microsoft.com/office/drawing/2014/main" val="3866822063"/>
+                    <a16:rowId xmlns:a16="http://schemas.microsoft.com/office/drawing/2014/main" val="2741305299"/>
                   </a:ext>
                 </a:extLst>
               </a:tr>
-              <a:tr h="428188">
+              <a:tr h="417172">
                 <a:tc>
                   <a:txBody>
                     <a:bodyPr/>
@@ -9244,7 +9327,7 @@
                     <a:lstStyle/>
                     <a:p>
                       <a:r>
-                        <a:rPr lang="en-US" altLang="ja-JP" sz="1100">
+                        <a:rPr lang="en-US" altLang="ja-JP" sz="1100" dirty="0">
                           <a:solidFill>
                             <a:srgbClr val="000000"/>
                           </a:solidFill>
@@ -9252,7 +9335,7 @@
                           <a:latin typeface="Hiragino Kaku Gothic ProN" panose="020B0300000000000000" pitchFamily="34" charset="-128"/>
                           <a:ea typeface="Hiragino Kaku Gothic ProN" panose="020B0300000000000000" pitchFamily="34" charset="-128"/>
                         </a:rPr>
-                        <a:t>3005.4624228115</a:t>
+                        <a:t>3007.85372829035</a:t>
                       </a:r>
                       <a:endParaRPr lang="ja-JP" altLang="en-US" sz="1100">
                         <a:effectLst/>
@@ -9300,11 +9383,11 @@
                 </a:tc>
                 <a:extLst>
                   <a:ext uri="{0D108BD9-81ED-4DB2-BD59-A6C34878D82A}">
-                    <a16:rowId xmlns:a16="http://schemas.microsoft.com/office/drawing/2014/main" val="1360320419"/>
+                    <a16:rowId xmlns:a16="http://schemas.microsoft.com/office/drawing/2014/main" val="3156303484"/>
                   </a:ext>
                 </a:extLst>
               </a:tr>
-              <a:tr h="428188">
+              <a:tr h="417172">
                 <a:tc>
                   <a:txBody>
                     <a:bodyPr/>
@@ -9434,7 +9517,7 @@
                     <a:lstStyle/>
                     <a:p>
                       <a:r>
-                        <a:rPr lang="en-US" altLang="ja-JP" sz="1100">
+                        <a:rPr lang="en-US" altLang="ja-JP" sz="1100" dirty="0">
                           <a:solidFill>
                             <a:srgbClr val="000000"/>
                           </a:solidFill>
@@ -9442,7 +9525,7 @@
                           <a:latin typeface="Hiragino Kaku Gothic ProN" panose="020B0300000000000000" pitchFamily="34" charset="-128"/>
                           <a:ea typeface="Hiragino Kaku Gothic ProN" panose="020B0300000000000000" pitchFamily="34" charset="-128"/>
                         </a:rPr>
-                        <a:t>2865.75770698857</a:t>
+                        <a:t>2866.96514955806</a:t>
                       </a:r>
                       <a:endParaRPr lang="ja-JP" altLang="en-US" sz="1100">
                         <a:effectLst/>
@@ -9490,11 +9573,11 @@
                 </a:tc>
                 <a:extLst>
                   <a:ext uri="{0D108BD9-81ED-4DB2-BD59-A6C34878D82A}">
-                    <a16:rowId xmlns:a16="http://schemas.microsoft.com/office/drawing/2014/main" val="786986627"/>
+                    <a16:rowId xmlns:a16="http://schemas.microsoft.com/office/drawing/2014/main" val="2663320818"/>
                   </a:ext>
                 </a:extLst>
               </a:tr>
-              <a:tr h="297442">
+              <a:tr h="289790">
                 <a:tc>
                   <a:txBody>
                     <a:bodyPr/>
@@ -9680,11 +9763,11 @@
                 </a:tc>
                 <a:extLst>
                   <a:ext uri="{0D108BD9-81ED-4DB2-BD59-A6C34878D82A}">
-                    <a16:rowId xmlns:a16="http://schemas.microsoft.com/office/drawing/2014/main" val="691127785"/>
+                    <a16:rowId xmlns:a16="http://schemas.microsoft.com/office/drawing/2014/main" val="1541715878"/>
                   </a:ext>
                 </a:extLst>
               </a:tr>
-              <a:tr h="558934">
+              <a:tr h="544555">
                 <a:tc>
                   <a:txBody>
                     <a:bodyPr/>
@@ -9822,7 +9905,7 @@
                           <a:latin typeface="Hiragino Kaku Gothic ProN" panose="020B0300000000000000" pitchFamily="34" charset="-128"/>
                           <a:ea typeface="Hiragino Kaku Gothic ProN" panose="020B0300000000000000" pitchFamily="34" charset="-128"/>
                         </a:rPr>
-                        <a:t>1.00634051514954</a:t>
+                        <a:t>1.00821318543164</a:t>
                       </a:r>
                       <a:endParaRPr lang="ja-JP" altLang="en-US" sz="1100">
                         <a:effectLst/>
@@ -9870,11 +9953,11 @@
                 </a:tc>
                 <a:extLst>
                   <a:ext uri="{0D108BD9-81ED-4DB2-BD59-A6C34878D82A}">
-                    <a16:rowId xmlns:a16="http://schemas.microsoft.com/office/drawing/2014/main" val="1861293899"/>
+                    <a16:rowId xmlns:a16="http://schemas.microsoft.com/office/drawing/2014/main" val="4258027836"/>
                   </a:ext>
                 </a:extLst>
               </a:tr>
-              <a:tr h="558934">
+              <a:tr h="544555">
                 <a:tc>
                   <a:txBody>
                     <a:bodyPr/>
@@ -10012,7 +10095,7 @@
                           <a:latin typeface="Hiragino Kaku Gothic ProN" panose="020B0300000000000000" pitchFamily="34" charset="-128"/>
                           <a:ea typeface="Hiragino Kaku Gothic ProN" panose="020B0300000000000000" pitchFamily="34" charset="-128"/>
                         </a:rPr>
-                        <a:t>1.0007075736619</a:t>
+                        <a:t>0.999194164781821</a:t>
                       </a:r>
                       <a:endParaRPr lang="ja-JP" altLang="en-US" sz="1100">
                         <a:effectLst/>
@@ -10060,11 +10143,11 @@
                 </a:tc>
                 <a:extLst>
                   <a:ext uri="{0D108BD9-81ED-4DB2-BD59-A6C34878D82A}">
-                    <a16:rowId xmlns:a16="http://schemas.microsoft.com/office/drawing/2014/main" val="3463121253"/>
+                    <a16:rowId xmlns:a16="http://schemas.microsoft.com/office/drawing/2014/main" val="3852657186"/>
                   </a:ext>
                 </a:extLst>
               </a:tr>
-              <a:tr h="428188">
+              <a:tr h="417172">
                 <a:tc>
                   <a:txBody>
                     <a:bodyPr/>
@@ -10202,7 +10285,7 @@
                           <a:latin typeface="Hiragino Kaku Gothic ProN" panose="020B0300000000000000" pitchFamily="34" charset="-128"/>
                           <a:ea typeface="Hiragino Kaku Gothic ProN" panose="020B0300000000000000" pitchFamily="34" charset="-128"/>
                         </a:rPr>
-                        <a:t>0.138997662435024</a:t>
+                        <a:t>0.14017032271726</a:t>
                       </a:r>
                       <a:endParaRPr lang="ja-JP" altLang="en-US" sz="1100">
                         <a:effectLst/>
@@ -10250,11 +10333,11 @@
                 </a:tc>
                 <a:extLst>
                   <a:ext uri="{0D108BD9-81ED-4DB2-BD59-A6C34878D82A}">
-                    <a16:rowId xmlns:a16="http://schemas.microsoft.com/office/drawing/2014/main" val="944022839"/>
+                    <a16:rowId xmlns:a16="http://schemas.microsoft.com/office/drawing/2014/main" val="43526614"/>
                   </a:ext>
                 </a:extLst>
               </a:tr>
-              <a:tr h="428188">
+              <a:tr h="417172">
                 <a:tc>
                   <a:txBody>
                     <a:bodyPr/>
@@ -10392,7 +10475,7 @@
                           <a:latin typeface="Hiragino Kaku Gothic ProN" panose="020B0300000000000000" pitchFamily="34" charset="-128"/>
                           <a:ea typeface="Hiragino Kaku Gothic ProN" panose="020B0300000000000000" pitchFamily="34" charset="-128"/>
                         </a:rPr>
-                        <a:t>0.0113312959237642</a:t>
+                        <a:t>0.0116827609035273</a:t>
                       </a:r>
                       <a:endParaRPr lang="ja-JP" altLang="en-US" sz="1100">
                         <a:effectLst/>
@@ -10440,7 +10523,7 @@
                 </a:tc>
                 <a:extLst>
                   <a:ext uri="{0D108BD9-81ED-4DB2-BD59-A6C34878D82A}">
-                    <a16:rowId xmlns:a16="http://schemas.microsoft.com/office/drawing/2014/main" val="884753499"/>
+                    <a16:rowId xmlns:a16="http://schemas.microsoft.com/office/drawing/2014/main" val="3545813804"/>
                   </a:ext>
                 </a:extLst>
               </a:tr>
@@ -10448,76 +10531,170 @@
           </a:graphicData>
         </a:graphic>
       </p:graphicFrame>
+    </p:spTree>
+    <p:extLst>
+      <p:ext uri="{BB962C8B-B14F-4D97-AF65-F5344CB8AC3E}">
+        <p14:creationId xmlns:p14="http://schemas.microsoft.com/office/powerpoint/2010/main" val="1969643703"/>
+      </p:ext>
+    </p:extLst>
+  </p:cSld>
+  <p:clrMapOvr>
+    <a:masterClrMapping/>
+  </p:clrMapOvr>
+</p:sld>
+</file>
+
+<file path=ppt/slides/slide5.xml><?xml version="1.0" encoding="utf-8"?>
+<p:sld xmlns:a="http://schemas.openxmlformats.org/drawingml/2006/main" xmlns:r="http://schemas.openxmlformats.org/officeDocument/2006/relationships" xmlns:p="http://schemas.openxmlformats.org/presentationml/2006/main">
+  <p:cSld>
+    <p:spTree>
+      <p:nvGrpSpPr>
+        <p:cNvPr id="1" name=""/>
+        <p:cNvGrpSpPr/>
+        <p:nvPr/>
+      </p:nvGrpSpPr>
+      <p:grpSpPr>
+        <a:xfrm>
+          <a:off x="0" y="0"/>
+          <a:ext cx="0" cy="0"/>
+          <a:chOff x="0" y="0"/>
+          <a:chExt cx="0" cy="0"/>
+        </a:xfrm>
+      </p:grpSpPr>
       <p:sp>
         <p:nvSpPr>
-          <p:cNvPr id="7" name="テキスト ボックス 6">
+          <p:cNvPr id="5" name="タイトル 4">
             <a:extLst>
               <a:ext uri="{FF2B5EF4-FFF2-40B4-BE49-F238E27FC236}">
-                <a16:creationId xmlns:a16="http://schemas.microsoft.com/office/drawing/2014/main" id="{9F5FF075-DE9E-6B48-9C02-61CFFBFEA886}"/>
+                <a16:creationId xmlns:a16="http://schemas.microsoft.com/office/drawing/2014/main" id="{0160271D-D944-684B-9A74-36DC93A7A33F}"/>
               </a:ext>
             </a:extLst>
           </p:cNvPr>
-          <p:cNvSpPr txBox="1"/>
-          <p:nvPr/>
+          <p:cNvSpPr>
+            <a:spLocks noGrp="1"/>
+          </p:cNvSpPr>
+          <p:nvPr>
+            <p:ph type="title"/>
+          </p:nvPr>
         </p:nvSpPr>
-        <p:spPr>
-          <a:xfrm>
-            <a:off x="6599696" y="1812176"/>
-            <a:ext cx="5157627" cy="954107"/>
-          </a:xfrm>
-          <a:prstGeom prst="rect">
-            <a:avLst/>
-          </a:prstGeom>
-          <a:noFill/>
-        </p:spPr>
+        <p:spPr/>
         <p:txBody>
-          <a:bodyPr wrap="square" rtlCol="0">
-            <a:spAutoFit/>
-          </a:bodyPr>
+          <a:bodyPr/>
           <a:lstStyle/>
           <a:p>
-            <a:pPr marL="285750" indent="-285750">
-              <a:buFont typeface="Arial" panose="020B0604020202020204" pitchFamily="34" charset="0"/>
-              <a:buChar char="•"/>
-            </a:pPr>
-            <a:r>
-              <a:rPr kumimoji="1" lang="ja-JP" altLang="en-US" sz="2800"/>
-              <a:t>提案モデル</a:t>
-            </a:r>
-            <a:r>
-              <a:rPr kumimoji="1" lang="en-US" altLang="ja-JP" sz="2800" dirty="0"/>
+            <a:r>
+              <a:rPr lang="ja-JP" altLang="en-US"/>
+              <a:t>やること</a:t>
+            </a:r>
+          </a:p>
+        </p:txBody>
+      </p:sp>
+      <p:sp>
+        <p:nvSpPr>
+          <p:cNvPr id="6" name="コンテンツ プレースホルダー 5">
+            <a:extLst>
+              <a:ext uri="{FF2B5EF4-FFF2-40B4-BE49-F238E27FC236}">
+                <a16:creationId xmlns:a16="http://schemas.microsoft.com/office/drawing/2014/main" id="{0E6705E7-56BF-4D46-89CF-B87BFBC2D986}"/>
+              </a:ext>
+            </a:extLst>
+          </p:cNvPr>
+          <p:cNvSpPr>
+            <a:spLocks noGrp="1"/>
+          </p:cNvSpPr>
+          <p:nvPr>
+            <p:ph idx="1"/>
+          </p:nvPr>
+        </p:nvSpPr>
+        <p:spPr/>
+        <p:txBody>
+          <a:bodyPr/>
+          <a:lstStyle/>
+          <a:p>
+            <a:pPr marL="285750" indent="-285750"/>
+            <a:r>
+              <a:rPr lang="ja-JP" altLang="en-US"/>
+              <a:t>パラメータの結果を見やすくする</a:t>
+            </a:r>
+            <a:r>
+              <a:rPr lang="en-US" altLang="ja-JP" dirty="0"/>
               <a:t>(</a:t>
             </a:r>
             <a:r>
-              <a:rPr kumimoji="1" lang="ja-JP" altLang="en-US" sz="2800"/>
-              <a:t>分散</a:t>
-            </a:r>
-            <a:r>
-              <a:rPr kumimoji="1" lang="en-US" altLang="ja-JP" sz="2800" dirty="0"/>
-              <a:t>0.1</a:t>
-            </a:r>
-            <a:r>
-              <a:rPr kumimoji="1" lang="ja-JP" altLang="en-US" sz="2800"/>
-              <a:t>の時</a:t>
-            </a:r>
-            <a:r>
-              <a:rPr kumimoji="1" lang="en-US" altLang="ja-JP" sz="2800" dirty="0"/>
+              <a:rPr lang="ja-JP" altLang="en-US"/>
+              <a:t>途中</a:t>
+            </a:r>
+            <a:r>
+              <a:rPr lang="en-US" altLang="ja-JP" dirty="0"/>
               <a:t>)</a:t>
             </a:r>
           </a:p>
           <a:p>
-            <a:pPr marL="285750" indent="-285750">
-              <a:buFont typeface="Arial" panose="020B0604020202020204" pitchFamily="34" charset="0"/>
-              <a:buChar char="•"/>
-            </a:pPr>
-            <a:endParaRPr kumimoji="1" lang="ja-JP" altLang="en-US" sz="2800"/>
+            <a:pPr marL="285750" indent="-285750"/>
+            <a:r>
+              <a:rPr lang="en-US" altLang="ja-JP" dirty="0" err="1">
+                <a:solidFill>
+                  <a:schemeClr val="accent2"/>
+                </a:solidFill>
+              </a:rPr>
+              <a:t>Category_prm</a:t>
+            </a:r>
+            <a:r>
+              <a:rPr lang="ja-JP" altLang="en-US">
+                <a:solidFill>
+                  <a:schemeClr val="accent2"/>
+                </a:solidFill>
+              </a:rPr>
+              <a:t>を</a:t>
+            </a:r>
+            <a:r>
+              <a:rPr lang="en-US" altLang="ja-JP" dirty="0">
+                <a:solidFill>
+                  <a:schemeClr val="accent2"/>
+                </a:solidFill>
+              </a:rPr>
+              <a:t>R</a:t>
+            </a:r>
+            <a:r>
+              <a:rPr lang="ja-JP" altLang="en-US">
+                <a:solidFill>
+                  <a:schemeClr val="accent2"/>
+                </a:solidFill>
+              </a:rPr>
+              <a:t>に依存しないようにする</a:t>
+            </a:r>
+            <a:endParaRPr lang="en-US" altLang="ja-JP" dirty="0">
+              <a:solidFill>
+                <a:schemeClr val="accent2"/>
+              </a:solidFill>
+            </a:endParaRPr>
+          </a:p>
+          <a:p>
+            <a:r>
+              <a:rPr lang="ja-JP" altLang="en-US">
+                <a:solidFill>
+                  <a:schemeClr val="accent2"/>
+                </a:solidFill>
+              </a:rPr>
+              <a:t>モデル、パラメータ整理</a:t>
+            </a:r>
+            <a:endParaRPr lang="en-US" altLang="ja-JP" dirty="0">
+              <a:solidFill>
+                <a:schemeClr val="accent2"/>
+              </a:solidFill>
+            </a:endParaRPr>
+          </a:p>
+          <a:p>
+            <a:r>
+              <a:rPr lang="ja-JP" altLang="en-US"/>
+              <a:t>分析結果：評価者パラメータをグラフにプロットする→一人の評価者のパラメータがモデルによってどのように変化しているか</a:t>
+            </a:r>
           </a:p>
         </p:txBody>
       </p:sp>
     </p:spTree>
     <p:extLst>
       <p:ext uri="{BB962C8B-B14F-4D97-AF65-F5344CB8AC3E}">
-        <p14:creationId xmlns:p14="http://schemas.microsoft.com/office/powerpoint/2010/main" val="1969643703"/>
+        <p14:creationId xmlns:p14="http://schemas.microsoft.com/office/powerpoint/2010/main" val="1564153815"/>
       </p:ext>
     </p:extLst>
   </p:cSld>
